--- a/presentation/CallableFutureTask.pptx
+++ b/presentation/CallableFutureTask.pptx
@@ -140,6 +140,9 @@
           </p14:sldIdLst>
         </p14:section>
       </p14:sectionLst>
+    </p:ext>
+    <p:ext uri="{EFAFB233-063F-42B5-8137-9DF3F51BA10A}">
+      <p15:sldGuideLst xmlns:p15="http://schemas.microsoft.com/office/powerpoint/2012/main"/>
     </p:ext>
   </p:extLst>
 </p:presentation>
@@ -5934,6 +5937,13 @@
   <p:clrMapOvr>
     <a:masterClrMapping/>
   </p:clrMapOvr>
+  <p:timing>
+    <p:tnLst>
+      <p:par>
+        <p:cTn id="1" dur="indefinite" restart="never" nodeType="tmRoot"/>
+      </p:par>
+    </p:tnLst>
+  </p:timing>
 </p:sld>
 </file>
 
@@ -7283,6 +7293,13 @@
   <p:clrMapOvr>
     <a:masterClrMapping/>
   </p:clrMapOvr>
+  <p:timing>
+    <p:tnLst>
+      <p:par>
+        <p:cTn id="1" dur="indefinite" restart="never" nodeType="tmRoot"/>
+      </p:par>
+    </p:tnLst>
+  </p:timing>
 </p:sld>
 </file>
 
@@ -7502,6 +7519,13 @@
   <p:clrMapOvr>
     <a:masterClrMapping/>
   </p:clrMapOvr>
+  <p:timing>
+    <p:tnLst>
+      <p:par>
+        <p:cTn id="1" dur="indefinite" restart="never" nodeType="tmRoot"/>
+      </p:par>
+    </p:tnLst>
+  </p:timing>
 </p:sld>
 </file>
 
@@ -7850,6 +7874,13 @@
   <p:clrMapOvr>
     <a:masterClrMapping/>
   </p:clrMapOvr>
+  <p:timing>
+    <p:tnLst>
+      <p:par>
+        <p:cTn id="1" dur="indefinite" restart="never" nodeType="tmRoot"/>
+      </p:par>
+    </p:tnLst>
+  </p:timing>
 </p:sld>
 </file>
 
@@ -8030,6 +8061,13 @@
   <p:clrMapOvr>
     <a:masterClrMapping/>
   </p:clrMapOvr>
+  <p:timing>
+    <p:tnLst>
+      <p:par>
+        <p:cTn id="1" dur="indefinite" restart="never" nodeType="tmRoot"/>
+      </p:par>
+    </p:tnLst>
+  </p:timing>
 </p:sld>
 </file>
 
@@ -8240,6 +8278,13 @@
   <p:clrMapOvr>
     <a:masterClrMapping/>
   </p:clrMapOvr>
+  <p:timing>
+    <p:tnLst>
+      <p:par>
+        <p:cTn id="1" dur="indefinite" restart="never" nodeType="tmRoot"/>
+      </p:par>
+    </p:tnLst>
+  </p:timing>
 </p:sld>
 </file>
 
@@ -8490,11 +8535,23 @@
             </a:r>
             <a:r>
               <a:rPr lang="fr-CH" dirty="0" err="1" smtClean="0"/>
+              <a:t>get</a:t>
+            </a:r>
+            <a:r>
+              <a:rPr lang="fr-CH" dirty="0" smtClean="0"/>
+              <a:t> the </a:t>
+            </a:r>
+            <a:r>
+              <a:rPr lang="fr-CH" dirty="0" err="1" smtClean="0"/>
               <a:t>compute</a:t>
             </a:r>
             <a:r>
               <a:rPr lang="fr-CH" dirty="0" smtClean="0"/>
-              <a:t> an </a:t>
+              <a:t> </a:t>
+            </a:r>
+            <a:r>
+              <a:rPr lang="fr-CH" dirty="0" smtClean="0"/>
+              <a:t>an </a:t>
             </a:r>
             <a:r>
               <a:rPr lang="fr-CH" dirty="0" err="1" smtClean="0"/>
@@ -8824,6 +8881,115 @@
               <a:buFontTx/>
               <a:buChar char="-"/>
             </a:pPr>
+            <a:r>
+              <a:rPr lang="fr-CH" dirty="0" err="1"/>
+              <a:t>We</a:t>
+            </a:r>
+            <a:r>
+              <a:rPr lang="fr-CH" dirty="0"/>
+              <a:t> </a:t>
+            </a:r>
+            <a:r>
+              <a:rPr lang="fr-CH" dirty="0" err="1"/>
+              <a:t>want</a:t>
+            </a:r>
+            <a:r>
+              <a:rPr lang="fr-CH" dirty="0"/>
+              <a:t> to </a:t>
+            </a:r>
+            <a:r>
+              <a:rPr lang="fr-CH" dirty="0" err="1"/>
+              <a:t>get</a:t>
+            </a:r>
+            <a:r>
+              <a:rPr lang="fr-CH" dirty="0"/>
+              <a:t> the </a:t>
+            </a:r>
+            <a:r>
+              <a:rPr lang="fr-CH" dirty="0" err="1" smtClean="0"/>
+              <a:t>computed</a:t>
+            </a:r>
+            <a:r>
+              <a:rPr lang="fr-CH" dirty="0" smtClean="0"/>
+              <a:t> </a:t>
+            </a:r>
+            <a:r>
+              <a:rPr lang="fr-CH" dirty="0" err="1" smtClean="0"/>
+              <a:t>results</a:t>
+            </a:r>
+            <a:r>
+              <a:rPr lang="fr-CH" dirty="0" smtClean="0"/>
+              <a:t>, in </a:t>
+            </a:r>
+            <a:r>
+              <a:rPr lang="fr-CH" dirty="0" err="1"/>
+              <a:t>order</a:t>
+            </a:r>
+            <a:r>
+              <a:rPr lang="fr-CH" dirty="0"/>
+              <a:t> to </a:t>
+            </a:r>
+            <a:r>
+              <a:rPr lang="fr-CH" dirty="0" err="1"/>
+              <a:t>get</a:t>
+            </a:r>
+            <a:r>
+              <a:rPr lang="fr-CH" dirty="0"/>
+              <a:t> </a:t>
+            </a:r>
+            <a:r>
+              <a:rPr lang="fr-CH" dirty="0" smtClean="0"/>
+              <a:t>Pi.</a:t>
+            </a:r>
+          </a:p>
+          <a:p>
+            <a:pPr marL="342900" indent="-342900">
+              <a:buFontTx/>
+              <a:buChar char="-"/>
+            </a:pPr>
+            <a:endParaRPr lang="fr-CH" dirty="0" smtClean="0"/>
+          </a:p>
+          <a:p>
+            <a:pPr marL="342900" indent="-342900">
+              <a:buFontTx/>
+              <a:buChar char="-"/>
+            </a:pPr>
+            <a:r>
+              <a:rPr lang="fr-CH" dirty="0" err="1" smtClean="0"/>
+              <a:t>We</a:t>
+            </a:r>
+            <a:r>
+              <a:rPr lang="fr-CH" dirty="0" smtClean="0"/>
+              <a:t> </a:t>
+            </a:r>
+            <a:r>
+              <a:rPr lang="fr-CH" dirty="0" err="1" smtClean="0"/>
+              <a:t>could</a:t>
+            </a:r>
+            <a:r>
+              <a:rPr lang="fr-CH" dirty="0" smtClean="0"/>
+              <a:t> do </a:t>
+            </a:r>
+            <a:r>
+              <a:rPr lang="fr-CH" dirty="0" err="1" smtClean="0"/>
+              <a:t>that</a:t>
+            </a:r>
+            <a:r>
+              <a:rPr lang="fr-CH" dirty="0" smtClean="0"/>
+              <a:t> </a:t>
+            </a:r>
+            <a:r>
+              <a:rPr lang="fr-CH" dirty="0" err="1" smtClean="0"/>
+              <a:t>with</a:t>
+            </a:r>
+            <a:r>
+              <a:rPr lang="fr-CH" dirty="0" smtClean="0"/>
+              <a:t> </a:t>
+            </a:r>
+            <a:r>
+              <a:rPr lang="fr-CH" smtClean="0"/>
+              <a:t>Future class</a:t>
+            </a:r>
             <a:endParaRPr lang="fr-CH" dirty="0"/>
           </a:p>
         </p:txBody>

--- a/presentation/CallableFutureTask.pptx
+++ b/presentation/CallableFutureTask.pptx
@@ -1,6 +1,6 @@
 
 <file path=ppt/presentation.xml><?xml version="1.0" encoding="utf-8"?>
-<p:presentation xmlns:a="http://schemas.openxmlformats.org/drawingml/2006/main" xmlns:r="http://schemas.openxmlformats.org/officeDocument/2006/relationships" xmlns:p="http://schemas.openxmlformats.org/presentationml/2006/main" saveSubsetFonts="1">
+<p:presentation xmlns:a="http://schemas.openxmlformats.org/drawingml/2006/main" xmlns:r="http://schemas.openxmlformats.org/officeDocument/2006/relationships" xmlns:p="http://schemas.openxmlformats.org/presentationml/2006/main" showSpecialPlsOnTitleSld="0" saveSubsetFonts="1">
   <p:sldMasterIdLst>
     <p:sldMasterId id="2147483660" r:id="rId1"/>
   </p:sldMasterIdLst>
@@ -498,6 +498,90 @@
 </p:notesMaster>
 </file>
 
+<file path=ppt/notesSlides/notesSlide1.xml><?xml version="1.0" encoding="utf-8"?>
+<p:notes xmlns:a="http://schemas.openxmlformats.org/drawingml/2006/main" xmlns:r="http://schemas.openxmlformats.org/officeDocument/2006/relationships" xmlns:p="http://schemas.openxmlformats.org/presentationml/2006/main">
+  <p:cSld>
+    <p:spTree>
+      <p:nvGrpSpPr>
+        <p:cNvPr id="1" name=""/>
+        <p:cNvGrpSpPr/>
+        <p:nvPr/>
+      </p:nvGrpSpPr>
+      <p:grpSpPr>
+        <a:xfrm>
+          <a:off x="0" y="0"/>
+          <a:ext cx="0" cy="0"/>
+          <a:chOff x="0" y="0"/>
+          <a:chExt cx="0" cy="0"/>
+        </a:xfrm>
+      </p:grpSpPr>
+      <p:sp>
+        <p:nvSpPr>
+          <p:cNvPr id="2" name="Espace réservé de l'image des diapositives 1"/>
+          <p:cNvSpPr>
+            <a:spLocks noGrp="1" noRot="1" noChangeAspect="1"/>
+          </p:cNvSpPr>
+          <p:nvPr>
+            <p:ph type="sldImg"/>
+          </p:nvPr>
+        </p:nvSpPr>
+        <p:spPr/>
+      </p:sp>
+      <p:sp>
+        <p:nvSpPr>
+          <p:cNvPr id="3" name="Espace réservé des commentaires 2"/>
+          <p:cNvSpPr>
+            <a:spLocks noGrp="1"/>
+          </p:cNvSpPr>
+          <p:nvPr>
+            <p:ph type="body" idx="1"/>
+          </p:nvPr>
+        </p:nvSpPr>
+        <p:spPr/>
+        <p:txBody>
+          <a:bodyPr/>
+          <a:lstStyle/>
+          <a:p>
+            <a:endParaRPr lang="fr-CH"/>
+          </a:p>
+        </p:txBody>
+      </p:sp>
+      <p:sp>
+        <p:nvSpPr>
+          <p:cNvPr id="4" name="Espace réservé du numéro de diapositive 3"/>
+          <p:cNvSpPr>
+            <a:spLocks noGrp="1"/>
+          </p:cNvSpPr>
+          <p:nvPr>
+            <p:ph type="sldNum" sz="quarter" idx="10"/>
+          </p:nvPr>
+        </p:nvSpPr>
+        <p:spPr/>
+        <p:txBody>
+          <a:bodyPr/>
+          <a:lstStyle/>
+          <a:p>
+            <a:fld id="{8C305653-B57E-4765-B5E4-50685F962CAA}" type="slidenum">
+              <a:rPr lang="fr-CH" smtClean="0"/>
+              <a:t>1</a:t>
+            </a:fld>
+            <a:endParaRPr lang="fr-CH"/>
+          </a:p>
+        </p:txBody>
+      </p:sp>
+    </p:spTree>
+    <p:extLst>
+      <p:ext uri="{BB962C8B-B14F-4D97-AF65-F5344CB8AC3E}">
+        <p14:creationId xmlns:p14="http://schemas.microsoft.com/office/powerpoint/2010/main" val="815973573"/>
+      </p:ext>
+    </p:extLst>
+  </p:cSld>
+  <p:clrMapOvr>
+    <a:masterClrMapping/>
+  </p:clrMapOvr>
+</p:notes>
+</file>
+
 <file path=ppt/slideLayouts/slideLayout1.xml><?xml version="1.0" encoding="utf-8"?>
 <p:sldLayout xmlns:a="http://schemas.openxmlformats.org/drawingml/2006/main" xmlns:r="http://schemas.openxmlformats.org/officeDocument/2006/relationships" xmlns:p="http://schemas.openxmlformats.org/presentationml/2006/main" showMasterSp="0" type="title" preserve="1">
   <p:cSld name="Diapositive de titre">
@@ -687,7 +771,7 @@
           <a:bodyPr/>
           <a:lstStyle/>
           <a:p>
-            <a:fld id="{996E29F6-FABE-4AA8-883C-C28EAE0B113F}" type="datetime1">
+            <a:fld id="{616442FB-FD47-492C-B532-84BA24AA1252}" type="datetime1">
               <a:rPr lang="fr-CH" smtClean="0"/>
               <a:t>02.06.2015</a:t>
             </a:fld>
@@ -1127,7 +1211,7 @@
           <a:bodyPr/>
           <a:lstStyle/>
           <a:p>
-            <a:fld id="{A73115B2-FE14-4E01-BAE4-8D844AFA9B1F}" type="datetime1">
+            <a:fld id="{5DB8348F-9DEE-4FC7-BBDD-D5BF3BE6B4CA}" type="datetime1">
               <a:rPr lang="fr-CH" smtClean="0"/>
               <a:t>02.06.2015</a:t>
             </a:fld>
@@ -1381,7 +1465,7 @@
           <a:bodyPr/>
           <a:lstStyle/>
           <a:p>
-            <a:fld id="{9A7E7684-FCBF-4488-87AF-53732EB08146}" type="datetime1">
+            <a:fld id="{9FF9DFBC-760A-4745-92AD-2B38A5CBF2AE}" type="datetime1">
               <a:rPr lang="fr-CH" smtClean="0"/>
               <a:t>02.06.2015</a:t>
             </a:fld>
@@ -1693,7 +1777,7 @@
           <a:bodyPr/>
           <a:lstStyle/>
           <a:p>
-            <a:fld id="{1A963BC3-E69D-4050-B7E5-72FFB3AF57A9}" type="datetime1">
+            <a:fld id="{BB726131-A290-4103-9DCA-383161D3080D}" type="datetime1">
               <a:rPr lang="fr-CH" smtClean="0"/>
               <a:t>02.06.2015</a:t>
             </a:fld>
@@ -2015,7 +2099,7 @@
           <a:bodyPr/>
           <a:lstStyle/>
           <a:p>
-            <a:fld id="{F2771ADE-C74B-4816-AD93-3CA226F94F8E}" type="datetime1">
+            <a:fld id="{7FAF67C3-999E-4DF0-97B8-CAF451AED05F}" type="datetime1">
               <a:rPr lang="fr-CH" smtClean="0"/>
               <a:t>02.06.2015</a:t>
             </a:fld>
@@ -2321,7 +2405,7 @@
           <a:bodyPr/>
           <a:lstStyle/>
           <a:p>
-            <a:fld id="{0DA92AAD-20BB-40E9-90B7-E1623BA98809}" type="datetime1">
+            <a:fld id="{6B19BC18-6ADB-4E80-9399-72FFF09540EC}" type="datetime1">
               <a:rPr lang="fr-CH" smtClean="0"/>
               <a:t>02.06.2015</a:t>
             </a:fld>
@@ -2692,7 +2776,7 @@
           <a:bodyPr/>
           <a:lstStyle/>
           <a:p>
-            <a:fld id="{FAE9D4F8-E73F-4930-A883-3D0F324F39BF}" type="datetime1">
+            <a:fld id="{327D0C88-11C4-44C9-959E-9AAEE8669ADE}" type="datetime1">
               <a:rPr lang="fr-CH" smtClean="0"/>
               <a:t>02.06.2015</a:t>
             </a:fld>
@@ -2870,7 +2954,7 @@
           <a:bodyPr/>
           <a:lstStyle/>
           <a:p>
-            <a:fld id="{DF93AE47-C42E-4561-A69E-3B69DC735C47}" type="datetime1">
+            <a:fld id="{3F0BFDAE-BCBD-4777-A806-33C5521F6E9C}" type="datetime1">
               <a:rPr lang="fr-CH" smtClean="0"/>
               <a:t>02.06.2015</a:t>
             </a:fld>
@@ -3054,7 +3138,7 @@
           <a:bodyPr/>
           <a:lstStyle/>
           <a:p>
-            <a:fld id="{02FEB99D-B57A-4359-9C29-146039C2FB6A}" type="datetime1">
+            <a:fld id="{55E368E5-A892-4819-A5FF-990739A5AA40}" type="datetime1">
               <a:rPr lang="fr-CH" smtClean="0"/>
               <a:t>02.06.2015</a:t>
             </a:fld>
@@ -3228,7 +3312,7 @@
           <a:bodyPr/>
           <a:lstStyle/>
           <a:p>
-            <a:fld id="{612864D1-3171-4171-A829-451874BAC4C9}" type="datetime1">
+            <a:fld id="{E9CDCD24-AF35-4B3E-B1D4-61BED39E4465}" type="datetime1">
               <a:rPr lang="fr-CH" smtClean="0"/>
               <a:t>02.06.2015</a:t>
             </a:fld>
@@ -3482,7 +3566,7 @@
           <a:bodyPr/>
           <a:lstStyle/>
           <a:p>
-            <a:fld id="{60FBAC4C-0BDE-47D0-8AE7-A33F4E1893F8}" type="datetime1">
+            <a:fld id="{3135940A-A442-49CC-BB93-5C494FA62A5B}" type="datetime1">
               <a:rPr lang="fr-CH" smtClean="0"/>
               <a:t>02.06.2015</a:t>
             </a:fld>
@@ -3722,7 +3806,7 @@
           <a:bodyPr/>
           <a:lstStyle/>
           <a:p>
-            <a:fld id="{2CDB9E6B-E7EE-4240-98BB-E618ED060019}" type="datetime1">
+            <a:fld id="{5FC1F64C-40A4-46BC-8688-EE47E4BCA59B}" type="datetime1">
               <a:rPr lang="fr-CH" smtClean="0"/>
               <a:t>02.06.2015</a:t>
             </a:fld>
@@ -4108,7 +4192,7 @@
           <a:bodyPr/>
           <a:lstStyle/>
           <a:p>
-            <a:fld id="{54F1B721-B6AF-4998-9A08-6177083966C5}" type="datetime1">
+            <a:fld id="{68FA62F5-0C90-423C-A0E2-2E4919DDABB5}" type="datetime1">
               <a:rPr lang="fr-CH" smtClean="0"/>
               <a:t>02.06.2015</a:t>
             </a:fld>
@@ -4230,7 +4314,7 @@
           <a:bodyPr/>
           <a:lstStyle/>
           <a:p>
-            <a:fld id="{BD3FA195-2661-4BBA-B12A-131ED4EAD152}" type="datetime1">
+            <a:fld id="{DE1351B3-7B13-4CD8-849D-017016AA3761}" type="datetime1">
               <a:rPr lang="fr-CH" smtClean="0"/>
               <a:t>02.06.2015</a:t>
             </a:fld>
@@ -4329,7 +4413,7 @@
           <a:bodyPr/>
           <a:lstStyle/>
           <a:p>
-            <a:fld id="{C41E151B-2DBB-4620-B281-52B2821C80F0}" type="datetime1">
+            <a:fld id="{571580A9-41EF-4060-88A0-3010DB91E7D6}" type="datetime1">
               <a:rPr lang="fr-CH" smtClean="0"/>
               <a:t>02.06.2015</a:t>
             </a:fld>
@@ -4588,7 +4672,7 @@
           <a:bodyPr/>
           <a:lstStyle/>
           <a:p>
-            <a:fld id="{550868BE-BBEB-4555-B4A3-4FE86DC4C2A1}" type="datetime1">
+            <a:fld id="{DFFE873F-02A6-4F7A-B131-BA962B89D4F6}" type="datetime1">
               <a:rPr lang="fr-CH" smtClean="0"/>
               <a:t>02.06.2015</a:t>
             </a:fld>
@@ -4875,7 +4959,7 @@
           <a:bodyPr/>
           <a:lstStyle/>
           <a:p>
-            <a:fld id="{0D714183-B6F4-4CAC-AA3E-699AA6A5BA5E}" type="datetime1">
+            <a:fld id="{151EEB26-51C6-4CD5-82BC-990CCF39521F}" type="datetime1">
               <a:rPr lang="fr-CH" smtClean="0"/>
               <a:t>02.06.2015</a:t>
             </a:fld>
@@ -5285,7 +5369,7 @@
             </a:lvl1pPr>
           </a:lstStyle>
           <a:p>
-            <a:fld id="{8E04BB9F-3861-4472-B677-3B85C0777A34}" type="datetime1">
+            <a:fld id="{8513D6AE-CC7F-4675-A018-39E675468283}" type="datetime1">
               <a:rPr lang="fr-CH" smtClean="0"/>
               <a:t>02.06.2015</a:t>
             </a:fld>
@@ -5874,56 +5958,59 @@
           <a:lstStyle/>
           <a:p>
             <a:r>
-              <a:rPr lang="fr-CH" dirty="0" smtClean="0"/>
-              <a:t>Classes liées à la concurrence en Java</a:t>
-            </a:r>
-            <a:endParaRPr lang="fr-CH" dirty="0"/>
-          </a:p>
-        </p:txBody>
-      </p:sp>
-      <p:sp>
-        <p:nvSpPr>
-          <p:cNvPr id="4" name="Espace réservé du pied de page 3"/>
-          <p:cNvSpPr>
-            <a:spLocks noGrp="1"/>
-          </p:cNvSpPr>
-          <p:nvPr>
-            <p:ph type="ftr" sz="quarter" idx="11"/>
-          </p:nvPr>
-        </p:nvSpPr>
-        <p:spPr/>
-        <p:txBody>
-          <a:bodyPr/>
-          <a:lstStyle/>
-          <a:p>
-            <a:r>
-              <a:rPr lang="fr-CH" smtClean="0"/>
-              <a:t>Bandelier Matthieu, Mut Horia</a:t>
-            </a:r>
-            <a:endParaRPr lang="fr-CH"/>
-          </a:p>
-        </p:txBody>
-      </p:sp>
-      <p:sp>
-        <p:nvSpPr>
-          <p:cNvPr id="5" name="Espace réservé du numéro de diapositive 4"/>
-          <p:cNvSpPr>
-            <a:spLocks noGrp="1"/>
-          </p:cNvSpPr>
-          <p:nvPr>
-            <p:ph type="sldNum" sz="quarter" idx="12"/>
-          </p:nvPr>
-        </p:nvSpPr>
-        <p:spPr/>
-        <p:txBody>
-          <a:bodyPr/>
-          <a:lstStyle/>
-          <a:p>
-            <a:fld id="{5AB2EE26-ED9C-4A04-B78D-673AD8430FF9}" type="slidenum">
-              <a:rPr lang="fr-CH" smtClean="0"/>
-              <a:t>1</a:t>
-            </a:fld>
-            <a:endParaRPr lang="fr-CH"/>
+              <a:rPr lang="en-US" dirty="0" smtClean="0">
+                <a:solidFill>
+                  <a:schemeClr val="tx1"/>
+                </a:solidFill>
+              </a:rPr>
+              <a:t>Java concurrency tools</a:t>
+            </a:r>
+          </a:p>
+          <a:p>
+            <a:endParaRPr lang="en-US" dirty="0">
+              <a:solidFill>
+                <a:schemeClr val="tx1"/>
+              </a:solidFill>
+            </a:endParaRPr>
+          </a:p>
+          <a:p>
+            <a:r>
+              <a:rPr lang="en-US" dirty="0" smtClean="0">
+                <a:solidFill>
+                  <a:schemeClr val="tx1"/>
+                </a:solidFill>
+              </a:rPr>
+              <a:t>Matthieu Bandelier</a:t>
+            </a:r>
+            <a:r>
+              <a:rPr lang="en-US" dirty="0">
+                <a:solidFill>
+                  <a:schemeClr val="tx1"/>
+                </a:solidFill>
+              </a:rPr>
+              <a:t> </a:t>
+            </a:r>
+            <a:r>
+              <a:rPr lang="en-US" dirty="0" smtClean="0">
+                <a:solidFill>
+                  <a:schemeClr val="tx1"/>
+                </a:solidFill>
+              </a:rPr>
+              <a:t>&amp;</a:t>
+            </a:r>
+            <a:r>
+              <a:rPr lang="en-US" dirty="0" smtClean="0">
+                <a:solidFill>
+                  <a:schemeClr val="tx1"/>
+                </a:solidFill>
+              </a:rPr>
+              <a:t> Horia Mut</a:t>
+            </a:r>
+            <a:endParaRPr lang="en-US" dirty="0">
+              <a:solidFill>
+                <a:schemeClr val="tx1"/>
+              </a:solidFill>
+            </a:endParaRPr>
           </a:p>
         </p:txBody>
       </p:sp>
@@ -6956,10 +7043,18 @@
               <a:buChar char="Ø"/>
             </a:pPr>
             <a:r>
-              <a:rPr lang="fr-CH" dirty="0" err="1"/>
+              <a:rPr lang="fr-CH" dirty="0" err="1">
+                <a:solidFill>
+                  <a:schemeClr val="tx1"/>
+                </a:solidFill>
+              </a:rPr>
               <a:t>Inteface</a:t>
             </a:r>
-            <a:endParaRPr lang="fr-CH" dirty="0"/>
+            <a:endParaRPr lang="fr-CH" dirty="0">
+              <a:solidFill>
+                <a:schemeClr val="tx1"/>
+              </a:solidFill>
+            </a:endParaRPr>
           </a:p>
           <a:p>
             <a:pPr marL="342900" indent="-342900">
@@ -6967,11 +7062,19 @@
               <a:buChar char="Ø"/>
             </a:pPr>
             <a:r>
-              <a:rPr lang="fr-CH" dirty="0" err="1"/>
+              <a:rPr lang="fr-CH" dirty="0" err="1">
+                <a:solidFill>
+                  <a:schemeClr val="tx1"/>
+                </a:solidFill>
+              </a:rPr>
               <a:t>Since</a:t>
             </a:r>
             <a:r>
-              <a:rPr lang="fr-CH" dirty="0"/>
+              <a:rPr lang="fr-CH" dirty="0">
+                <a:solidFill>
+                  <a:schemeClr val="tx1"/>
+                </a:solidFill>
+              </a:rPr>
               <a:t> Java 5</a:t>
             </a:r>
           </a:p>
@@ -6981,11 +7084,19 @@
               <a:buChar char="Ø"/>
             </a:pPr>
             <a:r>
-              <a:rPr lang="fr-CH" dirty="0" err="1"/>
+              <a:rPr lang="fr-CH" dirty="0" err="1">
+                <a:solidFill>
+                  <a:schemeClr val="tx1"/>
+                </a:solidFill>
+              </a:rPr>
               <a:t>java.util.concurrent</a:t>
             </a:r>
             <a:r>
-              <a:rPr lang="fr-CH" dirty="0"/>
+              <a:rPr lang="fr-CH" dirty="0">
+                <a:solidFill>
+                  <a:schemeClr val="tx1"/>
+                </a:solidFill>
+              </a:rPr>
               <a:t> package</a:t>
             </a:r>
           </a:p>
@@ -6995,21 +7106,41 @@
               <a:buChar char="Ø"/>
             </a:pPr>
             <a:r>
-              <a:rPr lang="fr-CH" dirty="0" err="1"/>
+              <a:rPr lang="fr-CH" dirty="0" err="1">
+                <a:solidFill>
+                  <a:schemeClr val="tx1"/>
+                </a:solidFill>
+              </a:rPr>
               <a:t>Similar</a:t>
             </a:r>
             <a:r>
-              <a:rPr lang="fr-CH" dirty="0"/>
+              <a:rPr lang="fr-CH" dirty="0">
+                <a:solidFill>
+                  <a:schemeClr val="tx1"/>
+                </a:solidFill>
+              </a:rPr>
               <a:t> to </a:t>
             </a:r>
             <a:r>
-              <a:rPr lang="fr-CH" dirty="0" err="1"/>
+              <a:rPr lang="fr-CH" dirty="0" err="1">
+                <a:solidFill>
+                  <a:schemeClr val="tx1"/>
+                </a:solidFill>
+              </a:rPr>
               <a:t>Runnable</a:t>
             </a:r>
-            <a:endParaRPr lang="fr-CH" dirty="0"/>
-          </a:p>
-          <a:p>
-            <a:endParaRPr lang="fr-CH" dirty="0"/>
+            <a:endParaRPr lang="fr-CH" dirty="0">
+              <a:solidFill>
+                <a:schemeClr val="tx1"/>
+              </a:solidFill>
+            </a:endParaRPr>
+          </a:p>
+          <a:p>
+            <a:endParaRPr lang="fr-CH" dirty="0">
+              <a:solidFill>
+                <a:schemeClr val="tx1"/>
+              </a:solidFill>
+            </a:endParaRPr>
           </a:p>
         </p:txBody>
       </p:sp>
@@ -7052,10 +7183,18 @@
           <a:lstStyle/>
           <a:p>
             <a:fld id="{5AB2EE26-ED9C-4A04-B78D-673AD8430FF9}" type="slidenum">
-              <a:rPr lang="fr-CH" smtClean="0"/>
+              <a:rPr lang="fr-CH" smtClean="0">
+                <a:solidFill>
+                  <a:schemeClr val="tx1"/>
+                </a:solidFill>
+              </a:rPr>
               <a:t>2</a:t>
             </a:fld>
-            <a:endParaRPr lang="fr-CH"/>
+            <a:endParaRPr lang="fr-CH" dirty="0">
+              <a:solidFill>
+                <a:schemeClr val="tx1"/>
+              </a:solidFill>
+            </a:endParaRPr>
           </a:p>
         </p:txBody>
       </p:sp>
@@ -7387,15 +7526,35 @@
               <a:buChar char="Ø"/>
             </a:pPr>
             <a:r>
-              <a:rPr lang="en-US" dirty="0" smtClean="0"/>
+              <a:rPr lang="en-US" dirty="0" smtClean="0">
+                <a:solidFill>
+                  <a:schemeClr val="tx1"/>
+                </a:solidFill>
+              </a:rPr>
               <a:t>Use </a:t>
             </a:r>
             <a:r>
-              <a:rPr lang="en-US" dirty="0"/>
-              <a:t>Generic to define the </a:t>
-            </a:r>
-            <a:r>
-              <a:rPr lang="en-US" dirty="0" smtClean="0"/>
+              <a:rPr lang="en-US" dirty="0" smtClean="0">
+                <a:solidFill>
+                  <a:schemeClr val="tx1"/>
+                </a:solidFill>
+              </a:rPr>
+              <a:t>Generic </a:t>
+            </a:r>
+            <a:r>
+              <a:rPr lang="en-US" dirty="0">
+                <a:solidFill>
+                  <a:schemeClr val="tx1"/>
+                </a:solidFill>
+              </a:rPr>
+              <a:t>to define the </a:t>
+            </a:r>
+            <a:r>
+              <a:rPr lang="en-US" dirty="0" smtClean="0">
+                <a:solidFill>
+                  <a:schemeClr val="tx1"/>
+                </a:solidFill>
+              </a:rPr>
               <a:t>return type ( &lt;Object&gt; )</a:t>
             </a:r>
           </a:p>
@@ -7405,14 +7564,26 @@
               <a:buChar char="Ø"/>
             </a:pPr>
             <a:r>
-              <a:rPr lang="en-US" dirty="0" smtClean="0"/>
+              <a:rPr lang="en-US" dirty="0" smtClean="0">
+                <a:solidFill>
+                  <a:schemeClr val="tx1"/>
+                </a:solidFill>
+              </a:rPr>
               <a:t>Executors </a:t>
             </a:r>
             <a:r>
-              <a:rPr lang="en-US" dirty="0"/>
+              <a:rPr lang="en-US" dirty="0">
+                <a:solidFill>
+                  <a:schemeClr val="tx1"/>
+                </a:solidFill>
+              </a:rPr>
               <a:t>class provide useful methods to execute Callable in a thread pool. </a:t>
             </a:r>
-            <a:endParaRPr lang="en-US" dirty="0" smtClean="0"/>
+            <a:endParaRPr lang="en-US" dirty="0" smtClean="0">
+              <a:solidFill>
+                <a:schemeClr val="tx1"/>
+              </a:solidFill>
+            </a:endParaRPr>
           </a:p>
           <a:p>
             <a:pPr marL="342900" indent="-342900">
@@ -7420,46 +7591,90 @@
               <a:buChar char="Ø"/>
             </a:pPr>
             <a:r>
-              <a:rPr lang="en-US" dirty="0" smtClean="0"/>
+              <a:rPr lang="en-US" dirty="0" smtClean="0">
+                <a:solidFill>
+                  <a:schemeClr val="tx1"/>
+                </a:solidFill>
+              </a:rPr>
               <a:t>Callable </a:t>
             </a:r>
             <a:r>
-              <a:rPr lang="en-US" dirty="0"/>
+              <a:rPr lang="en-US" dirty="0">
+                <a:solidFill>
+                  <a:schemeClr val="tx1"/>
+                </a:solidFill>
+              </a:rPr>
               <a:t>tasks return </a:t>
             </a:r>
             <a:r>
-              <a:rPr lang="en-US" dirty="0" err="1"/>
+              <a:rPr lang="en-US" dirty="0" err="1">
+                <a:solidFill>
+                  <a:schemeClr val="tx1"/>
+                </a:solidFill>
+              </a:rPr>
               <a:t>java.util.concurrent.Future</a:t>
             </a:r>
             <a:r>
-              <a:rPr lang="en-US" dirty="0"/>
+              <a:rPr lang="en-US" dirty="0">
+                <a:solidFill>
+                  <a:schemeClr val="tx1"/>
+                </a:solidFill>
+              </a:rPr>
               <a:t> object. Using </a:t>
             </a:r>
             <a:r>
-              <a:rPr lang="en-US" b="1" dirty="0"/>
+              <a:rPr lang="en-US" b="1" dirty="0">
+                <a:solidFill>
+                  <a:schemeClr val="tx1"/>
+                </a:solidFill>
+              </a:rPr>
               <a:t>Future</a:t>
             </a:r>
             <a:r>
-              <a:rPr lang="en-US" dirty="0"/>
+              <a:rPr lang="en-US" dirty="0">
+                <a:solidFill>
+                  <a:schemeClr val="tx1"/>
+                </a:solidFill>
+              </a:rPr>
               <a:t> </a:t>
             </a:r>
             <a:r>
-              <a:rPr lang="en-US" dirty="0" smtClean="0"/>
+              <a:rPr lang="en-US" dirty="0" smtClean="0">
+                <a:solidFill>
+                  <a:schemeClr val="tx1"/>
+                </a:solidFill>
+              </a:rPr>
               <a:t>(or </a:t>
             </a:r>
             <a:r>
-              <a:rPr lang="en-US" b="1" dirty="0" err="1" smtClean="0"/>
+              <a:rPr lang="en-US" b="1" dirty="0" err="1" smtClean="0">
+                <a:solidFill>
+                  <a:schemeClr val="tx1"/>
+                </a:solidFill>
+              </a:rPr>
               <a:t>FutureTask</a:t>
             </a:r>
             <a:r>
-              <a:rPr lang="en-US" dirty="0" smtClean="0"/>
+              <a:rPr lang="en-US" dirty="0" smtClean="0">
+                <a:solidFill>
+                  <a:schemeClr val="tx1"/>
+                </a:solidFill>
+              </a:rPr>
               <a:t>) we </a:t>
             </a:r>
             <a:r>
-              <a:rPr lang="en-US" dirty="0"/>
+              <a:rPr lang="en-US" dirty="0">
+                <a:solidFill>
+                  <a:schemeClr val="tx1"/>
+                </a:solidFill>
+              </a:rPr>
               <a:t>can find out the status of the Callable task and get the returned Object.</a:t>
             </a:r>
-            <a:endParaRPr lang="fr-CH" dirty="0"/>
+            <a:endParaRPr lang="fr-CH" dirty="0">
+              <a:solidFill>
+                <a:schemeClr val="tx1"/>
+              </a:solidFill>
+            </a:endParaRPr>
           </a:p>
         </p:txBody>
       </p:sp>
@@ -7502,10 +7717,18 @@
           <a:lstStyle/>
           <a:p>
             <a:fld id="{5AB2EE26-ED9C-4A04-B78D-673AD8430FF9}" type="slidenum">
-              <a:rPr lang="fr-CH" smtClean="0"/>
+              <a:rPr lang="fr-CH" smtClean="0">
+                <a:solidFill>
+                  <a:schemeClr val="tx1"/>
+                </a:solidFill>
+              </a:rPr>
               <a:t>3</a:t>
             </a:fld>
-            <a:endParaRPr lang="fr-CH"/>
+            <a:endParaRPr lang="fr-CH" dirty="0">
+              <a:solidFill>
+                <a:schemeClr val="tx1"/>
+              </a:solidFill>
+            </a:endParaRPr>
           </a:p>
         </p:txBody>
       </p:sp>
@@ -7613,88 +7836,12 @@
               <a:buChar char="Ø"/>
             </a:pPr>
             <a:r>
-              <a:rPr lang="fr-CH" dirty="0" err="1" smtClean="0"/>
-              <a:t>We</a:t>
-            </a:r>
-            <a:r>
-              <a:rPr lang="fr-CH" dirty="0" smtClean="0"/>
-              <a:t> </a:t>
-            </a:r>
-            <a:r>
-              <a:rPr lang="fr-CH" dirty="0" err="1" smtClean="0"/>
-              <a:t>want</a:t>
-            </a:r>
-            <a:r>
-              <a:rPr lang="fr-CH" dirty="0" smtClean="0"/>
-              <a:t> to </a:t>
-            </a:r>
-            <a:r>
-              <a:rPr lang="fr-CH" dirty="0" err="1" smtClean="0"/>
-              <a:t>compute</a:t>
-            </a:r>
-            <a:r>
-              <a:rPr lang="fr-CH" dirty="0" smtClean="0"/>
-              <a:t> an </a:t>
-            </a:r>
-            <a:r>
-              <a:rPr lang="fr-CH" dirty="0" err="1" smtClean="0"/>
-              <a:t>Integral</a:t>
-            </a:r>
-            <a:r>
-              <a:rPr lang="fr-CH" dirty="0"/>
-              <a:t> </a:t>
-            </a:r>
-            <a:r>
-              <a:rPr lang="fr-CH" dirty="0" smtClean="0"/>
-              <a:t>in </a:t>
-            </a:r>
-            <a:r>
-              <a:rPr lang="fr-CH" dirty="0" err="1" smtClean="0"/>
-              <a:t>order</a:t>
-            </a:r>
-            <a:r>
-              <a:rPr lang="fr-CH" dirty="0" smtClean="0"/>
-              <a:t> to </a:t>
-            </a:r>
-            <a:r>
-              <a:rPr lang="fr-CH" dirty="0" err="1" smtClean="0"/>
-              <a:t>get</a:t>
-            </a:r>
-            <a:r>
-              <a:rPr lang="fr-CH" dirty="0" smtClean="0"/>
-              <a:t> Pi and </a:t>
-            </a:r>
-            <a:r>
-              <a:rPr lang="fr-CH" dirty="0" err="1" smtClean="0"/>
-              <a:t>we</a:t>
-            </a:r>
-            <a:r>
-              <a:rPr lang="fr-CH" dirty="0" smtClean="0"/>
-              <a:t> </a:t>
-            </a:r>
-            <a:r>
-              <a:rPr lang="fr-CH" dirty="0" err="1" smtClean="0"/>
-              <a:t>want</a:t>
-            </a:r>
-            <a:r>
-              <a:rPr lang="fr-CH" dirty="0" smtClean="0"/>
-              <a:t> to </a:t>
-            </a:r>
-            <a:r>
-              <a:rPr lang="fr-CH" dirty="0" err="1" smtClean="0"/>
-              <a:t>compute</a:t>
-            </a:r>
-            <a:r>
-              <a:rPr lang="fr-CH" dirty="0" smtClean="0"/>
-              <a:t> as </a:t>
-            </a:r>
-            <a:r>
-              <a:rPr lang="fr-CH" dirty="0" err="1" smtClean="0"/>
-              <a:t>fast</a:t>
-            </a:r>
-            <a:r>
-              <a:rPr lang="fr-CH" dirty="0" smtClean="0"/>
-              <a:t> as possible.</a:t>
+              <a:rPr lang="en-US" dirty="0" smtClean="0">
+                <a:solidFill>
+                  <a:schemeClr val="tx1"/>
+                </a:solidFill>
+              </a:rPr>
+              <a:t>We want to compute an Integral in order to get Pi and we want to compute concurrently.</a:t>
             </a:r>
           </a:p>
           <a:p>
@@ -7702,14 +7849,22 @@
               <a:buFont typeface="Wingdings" panose="05000000000000000000" pitchFamily="2" charset="2"/>
               <a:buChar char="Ø"/>
             </a:pPr>
-            <a:endParaRPr lang="fr-CH" dirty="0"/>
+            <a:endParaRPr lang="en-US" dirty="0" smtClean="0">
+              <a:solidFill>
+                <a:schemeClr val="tx1"/>
+              </a:solidFill>
+            </a:endParaRPr>
           </a:p>
           <a:p>
             <a:pPr marL="342900" indent="-342900">
               <a:buFont typeface="Wingdings" panose="05000000000000000000" pitchFamily="2" charset="2"/>
               <a:buChar char="Ø"/>
             </a:pPr>
-            <a:endParaRPr lang="fr-CH" dirty="0" smtClean="0"/>
+            <a:endParaRPr lang="en-US" dirty="0" smtClean="0">
+              <a:solidFill>
+                <a:schemeClr val="tx1"/>
+              </a:solidFill>
+            </a:endParaRPr>
           </a:p>
           <a:p>
             <a:pPr marL="342900" indent="-342900">
@@ -7717,48 +7872,12 @@
               <a:buChar char="Ø"/>
             </a:pPr>
             <a:r>
-              <a:rPr lang="fr-CH" dirty="0" err="1" smtClean="0"/>
-              <a:t>Instead</a:t>
-            </a:r>
-            <a:r>
-              <a:rPr lang="fr-CH" dirty="0" smtClean="0"/>
-              <a:t> of </a:t>
-            </a:r>
-            <a:r>
-              <a:rPr lang="fr-CH" dirty="0" err="1" smtClean="0"/>
-              <a:t>sequential</a:t>
-            </a:r>
-            <a:r>
-              <a:rPr lang="fr-CH" dirty="0" smtClean="0"/>
-              <a:t> </a:t>
-            </a:r>
-            <a:r>
-              <a:rPr lang="fr-CH" dirty="0" err="1" smtClean="0"/>
-              <a:t>programming</a:t>
-            </a:r>
-            <a:r>
-              <a:rPr lang="fr-CH" dirty="0" smtClean="0"/>
-              <a:t>, </a:t>
-            </a:r>
-            <a:r>
-              <a:rPr lang="fr-CH" dirty="0" err="1"/>
-              <a:t>w</a:t>
-            </a:r>
-            <a:r>
-              <a:rPr lang="fr-CH" dirty="0" err="1" smtClean="0"/>
-              <a:t>e</a:t>
-            </a:r>
-            <a:r>
-              <a:rPr lang="fr-CH" dirty="0" smtClean="0"/>
-              <a:t> split the computation in </a:t>
-            </a:r>
-            <a:r>
-              <a:rPr lang="fr-CH" dirty="0" err="1" smtClean="0"/>
-              <a:t>differents</a:t>
-            </a:r>
-            <a:r>
-              <a:rPr lang="fr-CH" dirty="0" smtClean="0"/>
-              <a:t> Threads.</a:t>
+              <a:rPr lang="en-US" dirty="0" smtClean="0">
+                <a:solidFill>
+                  <a:schemeClr val="tx1"/>
+                </a:solidFill>
+              </a:rPr>
+              <a:t>Instead of sequential programming, we split the computation in different Threads.</a:t>
             </a:r>
           </a:p>
           <a:p>
@@ -7767,54 +7886,34 @@
               <a:buChar char="Ø"/>
             </a:pPr>
             <a:r>
-              <a:rPr lang="fr-CH" dirty="0" err="1" smtClean="0"/>
-              <a:t>Each</a:t>
-            </a:r>
-            <a:r>
-              <a:rPr lang="fr-CH" dirty="0" smtClean="0"/>
-              <a:t> Thread </a:t>
-            </a:r>
-            <a:r>
-              <a:rPr lang="fr-CH" dirty="0" err="1" smtClean="0"/>
-              <a:t>is</a:t>
-            </a:r>
-            <a:r>
-              <a:rPr lang="fr-CH" dirty="0" smtClean="0"/>
-              <a:t> an instance of a class «</a:t>
-            </a:r>
-            <a:r>
-              <a:rPr lang="fr-CH" dirty="0" err="1" smtClean="0"/>
+              <a:rPr lang="en-US" dirty="0" smtClean="0">
+                <a:solidFill>
+                  <a:schemeClr val="tx1"/>
+                </a:solidFill>
+              </a:rPr>
+              <a:t>Each Thread is an instance of a class «</a:t>
+            </a:r>
+            <a:r>
+              <a:rPr lang="en-US" dirty="0" err="1" smtClean="0">
+                <a:solidFill>
+                  <a:schemeClr val="tx1"/>
+                </a:solidFill>
+              </a:rPr>
               <a:t>CallableExemple</a:t>
             </a:r>
             <a:r>
-              <a:rPr lang="fr-CH" dirty="0" smtClean="0"/>
-              <a:t>», </a:t>
-            </a:r>
-            <a:r>
-              <a:rPr lang="fr-CH" dirty="0" err="1" smtClean="0"/>
-              <a:t>which</a:t>
-            </a:r>
-            <a:r>
-              <a:rPr lang="fr-CH" dirty="0" smtClean="0"/>
-              <a:t> </a:t>
-            </a:r>
-            <a:r>
-              <a:rPr lang="fr-CH" dirty="0" err="1" smtClean="0"/>
-              <a:t>implements</a:t>
-            </a:r>
-            <a:r>
-              <a:rPr lang="fr-CH" dirty="0" smtClean="0"/>
-              <a:t> </a:t>
-            </a:r>
-            <a:r>
-              <a:rPr lang="fr-CH" dirty="0" err="1" smtClean="0"/>
-              <a:t>Callable</a:t>
-            </a:r>
-            <a:r>
-              <a:rPr lang="fr-CH" dirty="0" smtClean="0"/>
-              <a:t> interface.</a:t>
-            </a:r>
-            <a:endParaRPr lang="fr-CH" dirty="0"/>
+              <a:rPr lang="en-US" dirty="0" smtClean="0">
+                <a:solidFill>
+                  <a:schemeClr val="tx1"/>
+                </a:solidFill>
+              </a:rPr>
+              <a:t>», which implements Callable interface.</a:t>
+            </a:r>
+            <a:endParaRPr lang="en-US" dirty="0">
+              <a:solidFill>
+                <a:schemeClr val="tx1"/>
+              </a:solidFill>
+            </a:endParaRPr>
           </a:p>
         </p:txBody>
       </p:sp>
@@ -7857,10 +7956,18 @@
           <a:lstStyle/>
           <a:p>
             <a:fld id="{5AB2EE26-ED9C-4A04-B78D-673AD8430FF9}" type="slidenum">
-              <a:rPr lang="fr-CH" smtClean="0"/>
+              <a:rPr lang="fr-CH" smtClean="0">
+                <a:solidFill>
+                  <a:schemeClr val="tx1"/>
+                </a:solidFill>
+              </a:rPr>
               <a:t>4</a:t>
             </a:fld>
-            <a:endParaRPr lang="fr-CH"/>
+            <a:endParaRPr lang="fr-CH" dirty="0">
+              <a:solidFill>
+                <a:schemeClr val="tx1"/>
+              </a:solidFill>
+            </a:endParaRPr>
           </a:p>
         </p:txBody>
       </p:sp>
@@ -8014,10 +8121,18 @@
           <a:lstStyle/>
           <a:p>
             <a:fld id="{5AB2EE26-ED9C-4A04-B78D-673AD8430FF9}" type="slidenum">
-              <a:rPr lang="fr-CH" smtClean="0"/>
+              <a:rPr lang="fr-CH" smtClean="0">
+                <a:solidFill>
+                  <a:schemeClr val="tx1"/>
+                </a:solidFill>
+              </a:rPr>
               <a:t>5</a:t>
             </a:fld>
-            <a:endParaRPr lang="fr-CH"/>
+            <a:endParaRPr lang="fr-CH" dirty="0">
+              <a:solidFill>
+                <a:schemeClr val="tx1"/>
+              </a:solidFill>
+            </a:endParaRPr>
           </a:p>
         </p:txBody>
       </p:sp>
@@ -8201,10 +8316,18 @@
           <a:lstStyle/>
           <a:p>
             <a:fld id="{5AB2EE26-ED9C-4A04-B78D-673AD8430FF9}" type="slidenum">
-              <a:rPr lang="fr-CH" smtClean="0"/>
+              <a:rPr lang="fr-CH" smtClean="0">
+                <a:solidFill>
+                  <a:schemeClr val="tx1"/>
+                </a:solidFill>
+              </a:rPr>
               <a:t>6</a:t>
             </a:fld>
-            <a:endParaRPr lang="fr-CH"/>
+            <a:endParaRPr lang="fr-CH" dirty="0">
+              <a:solidFill>
+                <a:schemeClr val="tx1"/>
+              </a:solidFill>
+            </a:endParaRPr>
           </a:p>
         </p:txBody>
       </p:sp>
@@ -8363,7 +8486,69 @@
           </a:bodyPr>
           <a:lstStyle/>
           <a:p>
-            <a:endParaRPr lang="fr-CH" dirty="0"/>
+            <a:r>
+              <a:rPr lang="en-US" dirty="0" smtClean="0">
+                <a:solidFill>
+                  <a:schemeClr val="tx1"/>
+                </a:solidFill>
+              </a:rPr>
+              <a:t>A cancelable asynchronous computation.</a:t>
+            </a:r>
+          </a:p>
+          <a:p>
+            <a:pPr marL="342900" indent="-342900">
+              <a:buFont typeface="Wingdings" panose="05000000000000000000" pitchFamily="2" charset="2"/>
+              <a:buChar char="Ø"/>
+            </a:pPr>
+            <a:r>
+              <a:rPr lang="en-US" dirty="0" smtClean="0">
+                <a:solidFill>
+                  <a:schemeClr val="tx1"/>
+                </a:solidFill>
+              </a:rPr>
+              <a:t>Class</a:t>
+            </a:r>
+          </a:p>
+          <a:p>
+            <a:pPr marL="342900" indent="-342900">
+              <a:buFont typeface="Wingdings" panose="05000000000000000000" pitchFamily="2" charset="2"/>
+              <a:buChar char="Ø"/>
+            </a:pPr>
+            <a:r>
+              <a:rPr lang="en-US" dirty="0" smtClean="0">
+                <a:solidFill>
+                  <a:schemeClr val="tx1"/>
+                </a:solidFill>
+              </a:rPr>
+              <a:t>Implementation of </a:t>
+            </a:r>
+            <a:r>
+              <a:rPr lang="en-US" dirty="0" err="1" smtClean="0">
+                <a:solidFill>
+                  <a:schemeClr val="tx1"/>
+                </a:solidFill>
+              </a:rPr>
+              <a:t>RunnableFuture</a:t>
+            </a:r>
+            <a:r>
+              <a:rPr lang="en-US" dirty="0" smtClean="0">
+                <a:solidFill>
+                  <a:schemeClr val="tx1"/>
+                </a:solidFill>
+              </a:rPr>
+              <a:t> interface</a:t>
+            </a:r>
+          </a:p>
+          <a:p>
+            <a:pPr marL="342900" indent="-342900">
+              <a:buFont typeface="Wingdings" panose="05000000000000000000" pitchFamily="2" charset="2"/>
+              <a:buChar char="Ø"/>
+            </a:pPr>
+            <a:endParaRPr lang="en-US" dirty="0">
+              <a:solidFill>
+                <a:schemeClr val="tx1"/>
+              </a:solidFill>
+            </a:endParaRPr>
           </a:p>
         </p:txBody>
       </p:sp>
@@ -8406,10 +8591,18 @@
           <a:lstStyle/>
           <a:p>
             <a:fld id="{5AB2EE26-ED9C-4A04-B78D-673AD8430FF9}" type="slidenum">
-              <a:rPr lang="fr-CH" smtClean="0"/>
+              <a:rPr lang="fr-CH" smtClean="0">
+                <a:solidFill>
+                  <a:schemeClr val="tx1"/>
+                </a:solidFill>
+              </a:rPr>
               <a:t>7</a:t>
             </a:fld>
-            <a:endParaRPr lang="fr-CH"/>
+            <a:endParaRPr lang="fr-CH" dirty="0">
+              <a:solidFill>
+                <a:schemeClr val="tx1"/>
+              </a:solidFill>
+            </a:endParaRPr>
           </a:p>
         </p:txBody>
       </p:sp>
@@ -8509,7 +8702,7 @@
         </p:spPr>
         <p:txBody>
           <a:bodyPr>
-            <a:normAutofit/>
+            <a:normAutofit fontScale="92500" lnSpcReduction="10000"/>
           </a:bodyPr>
           <a:lstStyle/>
           <a:p>
@@ -8518,100 +8711,12 @@
               <a:buChar char="Ø"/>
             </a:pPr>
             <a:r>
-              <a:rPr lang="fr-CH" dirty="0" err="1" smtClean="0"/>
-              <a:t>We</a:t>
-            </a:r>
-            <a:r>
-              <a:rPr lang="fr-CH" dirty="0" smtClean="0"/>
-              <a:t> </a:t>
-            </a:r>
-            <a:r>
-              <a:rPr lang="fr-CH" dirty="0" err="1" smtClean="0"/>
-              <a:t>want</a:t>
-            </a:r>
-            <a:r>
-              <a:rPr lang="fr-CH" dirty="0" smtClean="0"/>
-              <a:t> to </a:t>
-            </a:r>
-            <a:r>
-              <a:rPr lang="fr-CH" dirty="0" err="1" smtClean="0"/>
-              <a:t>get</a:t>
-            </a:r>
-            <a:r>
-              <a:rPr lang="fr-CH" dirty="0" smtClean="0"/>
-              <a:t> the </a:t>
-            </a:r>
-            <a:r>
-              <a:rPr lang="fr-CH" dirty="0" err="1" smtClean="0"/>
-              <a:t>compute</a:t>
-            </a:r>
-            <a:r>
-              <a:rPr lang="fr-CH" dirty="0" smtClean="0"/>
-              <a:t> </a:t>
-            </a:r>
-            <a:r>
-              <a:rPr lang="fr-CH" dirty="0" smtClean="0"/>
-              <a:t>an </a:t>
-            </a:r>
-            <a:r>
-              <a:rPr lang="fr-CH" dirty="0" err="1" smtClean="0"/>
-              <a:t>Integral</a:t>
-            </a:r>
-            <a:r>
-              <a:rPr lang="fr-CH" dirty="0"/>
-              <a:t> </a:t>
-            </a:r>
-            <a:r>
-              <a:rPr lang="fr-CH" dirty="0" smtClean="0"/>
-              <a:t>in </a:t>
-            </a:r>
-            <a:r>
-              <a:rPr lang="fr-CH" dirty="0" err="1" smtClean="0"/>
-              <a:t>order</a:t>
-            </a:r>
-            <a:r>
-              <a:rPr lang="fr-CH" dirty="0" smtClean="0"/>
-              <a:t> to </a:t>
-            </a:r>
-            <a:r>
-              <a:rPr lang="fr-CH" dirty="0" err="1" smtClean="0"/>
-              <a:t>get</a:t>
-            </a:r>
-            <a:r>
-              <a:rPr lang="fr-CH" dirty="0" smtClean="0"/>
-              <a:t> Pi and </a:t>
-            </a:r>
-            <a:r>
-              <a:rPr lang="fr-CH" dirty="0" err="1" smtClean="0"/>
-              <a:t>we</a:t>
-            </a:r>
-            <a:r>
-              <a:rPr lang="fr-CH" dirty="0" smtClean="0"/>
-              <a:t> </a:t>
-            </a:r>
-            <a:r>
-              <a:rPr lang="fr-CH" dirty="0" err="1" smtClean="0"/>
-              <a:t>want</a:t>
-            </a:r>
-            <a:r>
-              <a:rPr lang="fr-CH" dirty="0" smtClean="0"/>
-              <a:t> to </a:t>
-            </a:r>
-            <a:r>
-              <a:rPr lang="fr-CH" dirty="0" err="1" smtClean="0"/>
-              <a:t>compute</a:t>
-            </a:r>
-            <a:r>
-              <a:rPr lang="fr-CH" dirty="0" smtClean="0"/>
-              <a:t> as </a:t>
-            </a:r>
-            <a:r>
-              <a:rPr lang="fr-CH" dirty="0" err="1" smtClean="0"/>
-              <a:t>fast</a:t>
-            </a:r>
-            <a:r>
-              <a:rPr lang="fr-CH" dirty="0" smtClean="0"/>
-              <a:t> as possible.</a:t>
+              <a:rPr lang="en-US" dirty="0">
+                <a:solidFill>
+                  <a:schemeClr val="tx1"/>
+                </a:solidFill>
+              </a:rPr>
+              <a:t>Can be used to wrap a Callable or Runnable Object.</a:t>
             </a:r>
           </a:p>
           <a:p>
@@ -8619,119 +8724,451 @@
               <a:buFont typeface="Wingdings" panose="05000000000000000000" pitchFamily="2" charset="2"/>
               <a:buChar char="Ø"/>
             </a:pPr>
-            <a:endParaRPr lang="fr-CH" dirty="0"/>
+            <a:r>
+              <a:rPr lang="fr-CH" dirty="0" err="1" smtClean="0">
+                <a:solidFill>
+                  <a:schemeClr val="tx1"/>
+                </a:solidFill>
+              </a:rPr>
+              <a:t>RunnableFuture</a:t>
+            </a:r>
+            <a:r>
+              <a:rPr lang="fr-CH" dirty="0" smtClean="0">
+                <a:solidFill>
+                  <a:schemeClr val="tx1"/>
+                </a:solidFill>
+              </a:rPr>
+              <a:t> interface: an extension of </a:t>
+            </a:r>
+            <a:r>
+              <a:rPr lang="fr-CH" dirty="0" err="1" smtClean="0">
+                <a:solidFill>
+                  <a:schemeClr val="tx1"/>
+                </a:solidFill>
+              </a:rPr>
+              <a:t>Runnable</a:t>
+            </a:r>
+            <a:r>
+              <a:rPr lang="fr-CH" dirty="0" smtClean="0">
+                <a:solidFill>
+                  <a:schemeClr val="tx1"/>
+                </a:solidFill>
+              </a:rPr>
+              <a:t> and Future&lt;V&gt;</a:t>
+            </a:r>
           </a:p>
           <a:p>
             <a:pPr marL="342900" indent="-342900">
               <a:buFont typeface="Wingdings" panose="05000000000000000000" pitchFamily="2" charset="2"/>
               <a:buChar char="Ø"/>
             </a:pPr>
-            <a:endParaRPr lang="fr-CH" dirty="0" smtClean="0"/>
+            <a:r>
+              <a:rPr lang="fr-CH" dirty="0" err="1" smtClean="0">
+                <a:solidFill>
+                  <a:schemeClr val="tx1"/>
+                </a:solidFill>
+              </a:rPr>
+              <a:t>We</a:t>
+            </a:r>
+            <a:r>
+              <a:rPr lang="fr-CH" dirty="0" smtClean="0">
+                <a:solidFill>
+                  <a:schemeClr val="tx1"/>
+                </a:solidFill>
+              </a:rPr>
+              <a:t> </a:t>
+            </a:r>
+            <a:r>
+              <a:rPr lang="fr-CH" dirty="0" err="1" smtClean="0">
+                <a:solidFill>
+                  <a:schemeClr val="tx1"/>
+                </a:solidFill>
+              </a:rPr>
+              <a:t>want</a:t>
+            </a:r>
+            <a:r>
+              <a:rPr lang="fr-CH" dirty="0" smtClean="0">
+                <a:solidFill>
+                  <a:schemeClr val="tx1"/>
+                </a:solidFill>
+              </a:rPr>
+              <a:t> to </a:t>
+            </a:r>
+            <a:r>
+              <a:rPr lang="fr-CH" dirty="0" err="1" smtClean="0">
+                <a:solidFill>
+                  <a:schemeClr val="tx1"/>
+                </a:solidFill>
+              </a:rPr>
+              <a:t>get</a:t>
+            </a:r>
+            <a:r>
+              <a:rPr lang="fr-CH" dirty="0" smtClean="0">
+                <a:solidFill>
+                  <a:schemeClr val="tx1"/>
+                </a:solidFill>
+              </a:rPr>
+              <a:t> the </a:t>
+            </a:r>
+            <a:r>
+              <a:rPr lang="fr-CH" dirty="0" err="1" smtClean="0">
+                <a:solidFill>
+                  <a:schemeClr val="tx1"/>
+                </a:solidFill>
+              </a:rPr>
+              <a:t>compute</a:t>
+            </a:r>
+            <a:r>
+              <a:rPr lang="fr-CH" dirty="0" smtClean="0">
+                <a:solidFill>
+                  <a:schemeClr val="tx1"/>
+                </a:solidFill>
+              </a:rPr>
+              <a:t> an </a:t>
+            </a:r>
+            <a:r>
+              <a:rPr lang="fr-CH" dirty="0" err="1" smtClean="0">
+                <a:solidFill>
+                  <a:schemeClr val="tx1"/>
+                </a:solidFill>
+              </a:rPr>
+              <a:t>Integral</a:t>
+            </a:r>
+            <a:r>
+              <a:rPr lang="fr-CH" dirty="0">
+                <a:solidFill>
+                  <a:schemeClr val="tx1"/>
+                </a:solidFill>
+              </a:rPr>
+              <a:t> </a:t>
+            </a:r>
+            <a:r>
+              <a:rPr lang="fr-CH" dirty="0" smtClean="0">
+                <a:solidFill>
+                  <a:schemeClr val="tx1"/>
+                </a:solidFill>
+              </a:rPr>
+              <a:t>in </a:t>
+            </a:r>
+            <a:r>
+              <a:rPr lang="fr-CH" dirty="0" err="1" smtClean="0">
+                <a:solidFill>
+                  <a:schemeClr val="tx1"/>
+                </a:solidFill>
+              </a:rPr>
+              <a:t>order</a:t>
+            </a:r>
+            <a:r>
+              <a:rPr lang="fr-CH" dirty="0" smtClean="0">
+                <a:solidFill>
+                  <a:schemeClr val="tx1"/>
+                </a:solidFill>
+              </a:rPr>
+              <a:t> to </a:t>
+            </a:r>
+            <a:r>
+              <a:rPr lang="fr-CH" dirty="0" err="1" smtClean="0">
+                <a:solidFill>
+                  <a:schemeClr val="tx1"/>
+                </a:solidFill>
+              </a:rPr>
+              <a:t>get</a:t>
+            </a:r>
+            <a:r>
+              <a:rPr lang="fr-CH" dirty="0" smtClean="0">
+                <a:solidFill>
+                  <a:schemeClr val="tx1"/>
+                </a:solidFill>
+              </a:rPr>
+              <a:t> Pi and </a:t>
+            </a:r>
+            <a:r>
+              <a:rPr lang="fr-CH" dirty="0" err="1" smtClean="0">
+                <a:solidFill>
+                  <a:schemeClr val="tx1"/>
+                </a:solidFill>
+              </a:rPr>
+              <a:t>we</a:t>
+            </a:r>
+            <a:r>
+              <a:rPr lang="fr-CH" dirty="0" smtClean="0">
+                <a:solidFill>
+                  <a:schemeClr val="tx1"/>
+                </a:solidFill>
+              </a:rPr>
+              <a:t> </a:t>
+            </a:r>
+            <a:r>
+              <a:rPr lang="fr-CH" dirty="0" err="1" smtClean="0">
+                <a:solidFill>
+                  <a:schemeClr val="tx1"/>
+                </a:solidFill>
+              </a:rPr>
+              <a:t>want</a:t>
+            </a:r>
+            <a:r>
+              <a:rPr lang="fr-CH" dirty="0" smtClean="0">
+                <a:solidFill>
+                  <a:schemeClr val="tx1"/>
+                </a:solidFill>
+              </a:rPr>
+              <a:t> to </a:t>
+            </a:r>
+            <a:r>
+              <a:rPr lang="fr-CH" dirty="0" err="1" smtClean="0">
+                <a:solidFill>
+                  <a:schemeClr val="tx1"/>
+                </a:solidFill>
+              </a:rPr>
+              <a:t>compute</a:t>
+            </a:r>
+            <a:r>
+              <a:rPr lang="fr-CH" dirty="0" smtClean="0">
+                <a:solidFill>
+                  <a:schemeClr val="tx1"/>
+                </a:solidFill>
+              </a:rPr>
+              <a:t> as </a:t>
+            </a:r>
+            <a:r>
+              <a:rPr lang="fr-CH" dirty="0" err="1" smtClean="0">
+                <a:solidFill>
+                  <a:schemeClr val="tx1"/>
+                </a:solidFill>
+              </a:rPr>
+              <a:t>fast</a:t>
+            </a:r>
+            <a:r>
+              <a:rPr lang="fr-CH" dirty="0" smtClean="0">
+                <a:solidFill>
+                  <a:schemeClr val="tx1"/>
+                </a:solidFill>
+              </a:rPr>
+              <a:t> as possible.</a:t>
+            </a:r>
           </a:p>
           <a:p>
             <a:pPr marL="342900" indent="-342900">
               <a:buFont typeface="Wingdings" panose="05000000000000000000" pitchFamily="2" charset="2"/>
               <a:buChar char="Ø"/>
             </a:pPr>
-            <a:r>
-              <a:rPr lang="fr-CH" dirty="0" err="1" smtClean="0"/>
-              <a:t>Instead</a:t>
-            </a:r>
-            <a:r>
-              <a:rPr lang="fr-CH" dirty="0" smtClean="0"/>
-              <a:t> of </a:t>
-            </a:r>
-            <a:r>
-              <a:rPr lang="fr-CH" dirty="0" err="1" smtClean="0"/>
-              <a:t>sequential</a:t>
-            </a:r>
-            <a:r>
-              <a:rPr lang="fr-CH" dirty="0" smtClean="0"/>
-              <a:t> </a:t>
-            </a:r>
-            <a:r>
-              <a:rPr lang="fr-CH" dirty="0" err="1" smtClean="0"/>
-              <a:t>programming</a:t>
-            </a:r>
-            <a:r>
-              <a:rPr lang="fr-CH" dirty="0" smtClean="0"/>
-              <a:t>, </a:t>
-            </a:r>
-            <a:r>
-              <a:rPr lang="fr-CH" dirty="0" err="1"/>
-              <a:t>w</a:t>
-            </a:r>
-            <a:r>
-              <a:rPr lang="fr-CH" dirty="0" err="1" smtClean="0"/>
-              <a:t>e</a:t>
-            </a:r>
-            <a:r>
-              <a:rPr lang="fr-CH" dirty="0" smtClean="0"/>
-              <a:t> split the computation in </a:t>
-            </a:r>
-            <a:r>
-              <a:rPr lang="fr-CH" dirty="0" err="1" smtClean="0"/>
-              <a:t>differents</a:t>
-            </a:r>
-            <a:r>
-              <a:rPr lang="fr-CH" dirty="0" smtClean="0"/>
-              <a:t> Threads.</a:t>
-            </a:r>
+            <a:endParaRPr lang="fr-CH" dirty="0">
+              <a:solidFill>
+                <a:schemeClr val="tx1"/>
+              </a:solidFill>
+            </a:endParaRPr>
           </a:p>
           <a:p>
             <a:pPr marL="342900" indent="-342900">
               <a:buFont typeface="Wingdings" panose="05000000000000000000" pitchFamily="2" charset="2"/>
               <a:buChar char="Ø"/>
             </a:pPr>
-            <a:r>
-              <a:rPr lang="fr-CH" dirty="0" err="1" smtClean="0"/>
+            <a:endParaRPr lang="fr-CH" dirty="0" smtClean="0">
+              <a:solidFill>
+                <a:schemeClr val="tx1"/>
+              </a:solidFill>
+            </a:endParaRPr>
+          </a:p>
+          <a:p>
+            <a:pPr marL="342900" indent="-342900">
+              <a:buFont typeface="Wingdings" panose="05000000000000000000" pitchFamily="2" charset="2"/>
+              <a:buChar char="Ø"/>
+            </a:pPr>
+            <a:r>
+              <a:rPr lang="fr-CH" dirty="0" err="1" smtClean="0">
+                <a:solidFill>
+                  <a:schemeClr val="tx1"/>
+                </a:solidFill>
+              </a:rPr>
+              <a:t>Instead</a:t>
+            </a:r>
+            <a:r>
+              <a:rPr lang="fr-CH" dirty="0" smtClean="0">
+                <a:solidFill>
+                  <a:schemeClr val="tx1"/>
+                </a:solidFill>
+              </a:rPr>
+              <a:t> of </a:t>
+            </a:r>
+            <a:r>
+              <a:rPr lang="fr-CH" dirty="0" err="1" smtClean="0">
+                <a:solidFill>
+                  <a:schemeClr val="tx1"/>
+                </a:solidFill>
+              </a:rPr>
+              <a:t>sequential</a:t>
+            </a:r>
+            <a:r>
+              <a:rPr lang="fr-CH" dirty="0" smtClean="0">
+                <a:solidFill>
+                  <a:schemeClr val="tx1"/>
+                </a:solidFill>
+              </a:rPr>
+              <a:t> </a:t>
+            </a:r>
+            <a:r>
+              <a:rPr lang="fr-CH" dirty="0" err="1" smtClean="0">
+                <a:solidFill>
+                  <a:schemeClr val="tx1"/>
+                </a:solidFill>
+              </a:rPr>
+              <a:t>programming</a:t>
+            </a:r>
+            <a:r>
+              <a:rPr lang="fr-CH" dirty="0" smtClean="0">
+                <a:solidFill>
+                  <a:schemeClr val="tx1"/>
+                </a:solidFill>
+              </a:rPr>
+              <a:t>, </a:t>
+            </a:r>
+            <a:r>
+              <a:rPr lang="fr-CH" dirty="0" err="1">
+                <a:solidFill>
+                  <a:schemeClr val="tx1"/>
+                </a:solidFill>
+              </a:rPr>
+              <a:t>w</a:t>
+            </a:r>
+            <a:r>
+              <a:rPr lang="fr-CH" dirty="0" err="1" smtClean="0">
+                <a:solidFill>
+                  <a:schemeClr val="tx1"/>
+                </a:solidFill>
+              </a:rPr>
+              <a:t>e</a:t>
+            </a:r>
+            <a:r>
+              <a:rPr lang="fr-CH" dirty="0" smtClean="0">
+                <a:solidFill>
+                  <a:schemeClr val="tx1"/>
+                </a:solidFill>
+              </a:rPr>
+              <a:t> split the computation in </a:t>
+            </a:r>
+            <a:r>
+              <a:rPr lang="fr-CH" dirty="0" err="1" smtClean="0">
+                <a:solidFill>
+                  <a:schemeClr val="tx1"/>
+                </a:solidFill>
+              </a:rPr>
+              <a:t>differents</a:t>
+            </a:r>
+            <a:r>
+              <a:rPr lang="fr-CH" dirty="0" smtClean="0">
+                <a:solidFill>
+                  <a:schemeClr val="tx1"/>
+                </a:solidFill>
+              </a:rPr>
+              <a:t> Threads.</a:t>
+            </a:r>
+          </a:p>
+          <a:p>
+            <a:pPr marL="342900" indent="-342900">
+              <a:buFont typeface="Wingdings" panose="05000000000000000000" pitchFamily="2" charset="2"/>
+              <a:buChar char="Ø"/>
+            </a:pPr>
+            <a:r>
+              <a:rPr lang="fr-CH" dirty="0" err="1" smtClean="0">
+                <a:solidFill>
+                  <a:schemeClr val="tx1"/>
+                </a:solidFill>
+              </a:rPr>
               <a:t>Each</a:t>
             </a:r>
             <a:r>
-              <a:rPr lang="fr-CH" dirty="0" smtClean="0"/>
+              <a:rPr lang="fr-CH" dirty="0" smtClean="0">
+                <a:solidFill>
+                  <a:schemeClr val="tx1"/>
+                </a:solidFill>
+              </a:rPr>
               <a:t> Thread </a:t>
             </a:r>
             <a:r>
-              <a:rPr lang="fr-CH" dirty="0" err="1" smtClean="0"/>
+              <a:rPr lang="fr-CH" dirty="0" err="1" smtClean="0">
+                <a:solidFill>
+                  <a:schemeClr val="tx1"/>
+                </a:solidFill>
+              </a:rPr>
               <a:t>is</a:t>
             </a:r>
             <a:r>
-              <a:rPr lang="fr-CH" dirty="0" smtClean="0"/>
+              <a:rPr lang="fr-CH" dirty="0" smtClean="0">
+                <a:solidFill>
+                  <a:schemeClr val="tx1"/>
+                </a:solidFill>
+              </a:rPr>
               <a:t> an instance of a class «</a:t>
             </a:r>
             <a:r>
-              <a:rPr lang="fr-CH" dirty="0" err="1" smtClean="0"/>
+              <a:rPr lang="fr-CH" dirty="0" err="1" smtClean="0">
+                <a:solidFill>
+                  <a:schemeClr val="tx1"/>
+                </a:solidFill>
+              </a:rPr>
               <a:t>CallableExemple</a:t>
             </a:r>
             <a:r>
-              <a:rPr lang="fr-CH" dirty="0" smtClean="0"/>
+              <a:rPr lang="fr-CH" dirty="0" smtClean="0">
+                <a:solidFill>
+                  <a:schemeClr val="tx1"/>
+                </a:solidFill>
+              </a:rPr>
               <a:t>», </a:t>
             </a:r>
             <a:r>
-              <a:rPr lang="fr-CH" dirty="0" err="1" smtClean="0"/>
+              <a:rPr lang="fr-CH" dirty="0" err="1" smtClean="0">
+                <a:solidFill>
+                  <a:schemeClr val="tx1"/>
+                </a:solidFill>
+              </a:rPr>
               <a:t>which</a:t>
             </a:r>
             <a:r>
-              <a:rPr lang="fr-CH" dirty="0" smtClean="0"/>
+              <a:rPr lang="fr-CH" dirty="0" smtClean="0">
+                <a:solidFill>
+                  <a:schemeClr val="tx1"/>
+                </a:solidFill>
+              </a:rPr>
               <a:t> </a:t>
             </a:r>
             <a:r>
-              <a:rPr lang="fr-CH" dirty="0" err="1" smtClean="0"/>
+              <a:rPr lang="fr-CH" dirty="0" err="1" smtClean="0">
+                <a:solidFill>
+                  <a:schemeClr val="tx1"/>
+                </a:solidFill>
+              </a:rPr>
               <a:t>implements</a:t>
             </a:r>
             <a:r>
-              <a:rPr lang="fr-CH" dirty="0" smtClean="0"/>
+              <a:rPr lang="fr-CH" dirty="0" smtClean="0">
+                <a:solidFill>
+                  <a:schemeClr val="tx1"/>
+                </a:solidFill>
+              </a:rPr>
               <a:t> </a:t>
             </a:r>
             <a:r>
-              <a:rPr lang="fr-CH" dirty="0" err="1" smtClean="0"/>
+              <a:rPr lang="fr-CH" dirty="0" err="1" smtClean="0">
+                <a:solidFill>
+                  <a:schemeClr val="tx1"/>
+                </a:solidFill>
+              </a:rPr>
               <a:t>Callable</a:t>
             </a:r>
             <a:r>
-              <a:rPr lang="fr-CH" dirty="0" smtClean="0"/>
+              <a:rPr lang="fr-CH" dirty="0" smtClean="0">
+                <a:solidFill>
+                  <a:schemeClr val="tx1"/>
+                </a:solidFill>
+              </a:rPr>
               <a:t> interface.</a:t>
             </a:r>
-            <a:endParaRPr lang="fr-CH" dirty="0"/>
+            <a:endParaRPr lang="fr-CH" dirty="0">
+              <a:solidFill>
+                <a:schemeClr val="tx1"/>
+              </a:solidFill>
+            </a:endParaRPr>
           </a:p>
         </p:txBody>
       </p:sp>
@@ -8987,8 +9424,16 @@
               <a:t> </a:t>
             </a:r>
             <a:r>
-              <a:rPr lang="fr-CH" smtClean="0"/>
-              <a:t>Future class</a:t>
+              <a:rPr lang="fr-CH" dirty="0" err="1" smtClean="0"/>
+              <a:t>FutureTask</a:t>
+            </a:r>
+            <a:r>
+              <a:rPr lang="fr-CH" dirty="0" smtClean="0"/>
+              <a:t> </a:t>
+            </a:r>
+            <a:r>
+              <a:rPr lang="fr-CH" dirty="0" smtClean="0"/>
+              <a:t>class</a:t>
             </a:r>
             <a:endParaRPr lang="fr-CH" dirty="0"/>
           </a:p>

--- a/presentation/CallableFutureTask.pptx
+++ b/presentation/CallableFutureTask.pptx
@@ -5996,15 +5996,7 @@
                   <a:schemeClr val="tx1"/>
                 </a:solidFill>
               </a:rPr>
-              <a:t>&amp;</a:t>
-            </a:r>
-            <a:r>
-              <a:rPr lang="en-US" dirty="0" smtClean="0">
-                <a:solidFill>
-                  <a:schemeClr val="tx1"/>
-                </a:solidFill>
-              </a:rPr>
-              <a:t> Horia Mut</a:t>
+              <a:t>&amp; Horia Mut</a:t>
             </a:r>
             <a:endParaRPr lang="en-US" dirty="0">
               <a:solidFill>
@@ -6476,7 +6468,7 @@
           <p:nvPr>
             <p:extLst>
               <p:ext uri="{D42A27DB-BD31-4B8C-83A1-F6EECF244321}">
-                <p14:modId xmlns:p14="http://schemas.microsoft.com/office/powerpoint/2010/main" val="123351744"/>
+                <p14:modId xmlns:p14="http://schemas.microsoft.com/office/powerpoint/2010/main" val="2622938537"/>
               </p:ext>
             </p:extLst>
           </p:nvPr>
@@ -6516,6 +6508,10 @@
                         <a:rPr lang="fr-CH" dirty="0" err="1" smtClean="0"/>
                         <a:t>Callable</a:t>
                       </a:r>
+                      <a:r>
+                        <a:rPr lang="fr-CH" dirty="0" smtClean="0"/>
+                        <a:t> class</a:t>
+                      </a:r>
                       <a:endParaRPr lang="fr-CH" dirty="0"/>
                     </a:p>
                   </a:txBody>
@@ -6530,6 +6526,10 @@
                         <a:rPr lang="fr-CH" dirty="0" err="1" smtClean="0"/>
                         <a:t>FutureTask</a:t>
                       </a:r>
+                      <a:r>
+                        <a:rPr lang="fr-CH" dirty="0" smtClean="0"/>
+                        <a:t> class</a:t>
+                      </a:r>
                       <a:endParaRPr lang="fr-CH" dirty="0"/>
                     </a:p>
                   </a:txBody>
@@ -6542,7 +6542,11 @@
                     <a:bodyPr/>
                     <a:lstStyle/>
                     <a:p>
-                      <a:endParaRPr lang="fr-CH"/>
+                      <a:r>
+                        <a:rPr lang="fr-CH" dirty="0" smtClean="0"/>
+                        <a:t>description</a:t>
+                      </a:r>
+                      <a:endParaRPr lang="fr-CH" dirty="0"/>
                     </a:p>
                   </a:txBody>
                   <a:tcPr/>
@@ -6552,7 +6556,19 @@
                     <a:bodyPr/>
                     <a:lstStyle/>
                     <a:p>
-                      <a:endParaRPr lang="fr-CH"/>
+                      <a:r>
+                        <a:rPr lang="fr-CH" dirty="0" err="1" smtClean="0"/>
+                        <a:t>define</a:t>
+                      </a:r>
+                      <a:r>
+                        <a:rPr lang="fr-CH" dirty="0" smtClean="0"/>
+                        <a:t> a </a:t>
+                      </a:r>
+                      <a:r>
+                        <a:rPr lang="fr-CH" dirty="0" err="1" smtClean="0"/>
+                        <a:t>task</a:t>
+                      </a:r>
+                      <a:endParaRPr lang="fr-CH" dirty="0"/>
                     </a:p>
                   </a:txBody>
                   <a:tcPr/>
@@ -6562,7 +6578,31 @@
                     <a:bodyPr/>
                     <a:lstStyle/>
                     <a:p>
-                      <a:endParaRPr lang="fr-CH"/>
+                      <a:r>
+                        <a:rPr lang="fr-CH" dirty="0" err="1" smtClean="0"/>
+                        <a:t>get</a:t>
+                      </a:r>
+                      <a:r>
+                        <a:rPr lang="fr-CH" dirty="0" smtClean="0"/>
+                        <a:t> the </a:t>
+                      </a:r>
+                      <a:r>
+                        <a:rPr lang="fr-CH" dirty="0" err="1" smtClean="0"/>
+                        <a:t>result</a:t>
+                      </a:r>
+                      <a:r>
+                        <a:rPr lang="fr-CH" dirty="0" smtClean="0"/>
+                        <a:t> of a</a:t>
+                      </a:r>
+                      <a:r>
+                        <a:rPr lang="fr-CH" baseline="0" dirty="0" smtClean="0"/>
+                        <a:t> </a:t>
+                      </a:r>
+                      <a:r>
+                        <a:rPr lang="fr-CH" baseline="0" dirty="0" err="1" smtClean="0"/>
+                        <a:t>task</a:t>
+                      </a:r>
+                      <a:endParaRPr lang="fr-CH" dirty="0"/>
                     </a:p>
                   </a:txBody>
                   <a:tcPr/>
@@ -6574,7 +6614,11 @@
                     <a:bodyPr/>
                     <a:lstStyle/>
                     <a:p>
-                      <a:endParaRPr lang="fr-CH"/>
+                      <a:r>
+                        <a:rPr lang="fr-CH" dirty="0" err="1" smtClean="0"/>
+                        <a:t>implements</a:t>
+                      </a:r>
+                      <a:endParaRPr lang="fr-CH" dirty="0"/>
                     </a:p>
                   </a:txBody>
                   <a:tcPr/>
@@ -6584,6 +6628,62 @@
                     <a:bodyPr/>
                     <a:lstStyle/>
                     <a:p>
+                      <a:r>
+                        <a:rPr lang="fr-CH" dirty="0" err="1" smtClean="0"/>
+                        <a:t>Callable</a:t>
+                      </a:r>
+                      <a:r>
+                        <a:rPr lang="fr-CH" dirty="0" smtClean="0"/>
+                        <a:t>&lt;Type&gt;</a:t>
+                      </a:r>
+                      <a:endParaRPr lang="fr-CH" dirty="0"/>
+                    </a:p>
+                  </a:txBody>
+                  <a:tcPr/>
+                </a:tc>
+                <a:tc>
+                  <a:txBody>
+                    <a:bodyPr/>
+                    <a:lstStyle/>
+                    <a:p>
+                      <a:endParaRPr lang="fr-CH" dirty="0"/>
+                    </a:p>
+                  </a:txBody>
+                  <a:tcPr/>
+                </a:tc>
+              </a:tr>
+              <a:tr h="370840">
+                <a:tc>
+                  <a:txBody>
+                    <a:bodyPr/>
+                    <a:lstStyle/>
+                    <a:p>
+                      <a:r>
+                        <a:rPr lang="fr-CH" dirty="0" err="1" smtClean="0"/>
+                        <a:t>methods</a:t>
+                      </a:r>
+                      <a:r>
+                        <a:rPr lang="fr-CH" dirty="0" smtClean="0"/>
+                        <a:t> </a:t>
+                      </a:r>
+                      <a:r>
+                        <a:rPr lang="fr-CH" dirty="0" err="1" smtClean="0"/>
+                        <a:t>required</a:t>
+                      </a:r>
+                      <a:endParaRPr lang="fr-CH" dirty="0"/>
+                    </a:p>
+                  </a:txBody>
+                  <a:tcPr/>
+                </a:tc>
+                <a:tc>
+                  <a:txBody>
+                    <a:bodyPr/>
+                    <a:lstStyle/>
+                    <a:p>
+                      <a:r>
+                        <a:rPr lang="fr-CH" dirty="0" smtClean="0"/>
+                        <a:t>&lt;Type&gt; call()</a:t>
+                      </a:r>
                       <a:endParaRPr lang="fr-CH" dirty="0"/>
                     </a:p>
                   </a:txBody>
@@ -6606,39 +6706,7 @@
                     <a:bodyPr/>
                     <a:lstStyle/>
                     <a:p>
-                      <a:endParaRPr lang="fr-CH"/>
-                    </a:p>
-                  </a:txBody>
-                  <a:tcPr/>
-                </a:tc>
-                <a:tc>
-                  <a:txBody>
-                    <a:bodyPr/>
-                    <a:lstStyle/>
-                    <a:p>
-                      <a:endParaRPr lang="fr-CH"/>
-                    </a:p>
-                  </a:txBody>
-                  <a:tcPr/>
-                </a:tc>
-                <a:tc>
-                  <a:txBody>
-                    <a:bodyPr/>
-                    <a:lstStyle/>
-                    <a:p>
-                      <a:endParaRPr lang="fr-CH"/>
-                    </a:p>
-                  </a:txBody>
-                  <a:tcPr/>
-                </a:tc>
-              </a:tr>
-              <a:tr h="370840">
-                <a:tc>
-                  <a:txBody>
-                    <a:bodyPr/>
-                    <a:lstStyle/>
-                    <a:p>
-                      <a:endParaRPr lang="fr-CH"/>
+                      <a:endParaRPr lang="fr-CH" dirty="0"/>
                     </a:p>
                   </a:txBody>
                   <a:tcPr/>
@@ -7531,15 +7599,7 @@
                   <a:schemeClr val="tx1"/>
                 </a:solidFill>
               </a:rPr>
-              <a:t>Use </a:t>
-            </a:r>
-            <a:r>
-              <a:rPr lang="en-US" dirty="0" smtClean="0">
-                <a:solidFill>
-                  <a:schemeClr val="tx1"/>
-                </a:solidFill>
-              </a:rPr>
-              <a:t>Generic </a:t>
+              <a:t>Use Generic </a:t>
             </a:r>
             <a:r>
               <a:rPr lang="en-US" dirty="0">
@@ -7841,8 +7901,21 @@
                   <a:schemeClr val="tx1"/>
                 </a:solidFill>
               </a:rPr>
-              <a:t>We want to compute an Integral in order to get Pi and we want to compute concurrently.</a:t>
-            </a:r>
+              <a:t>We want to compute an Integral in order to get Pi and we want to compute </a:t>
+            </a:r>
+            <a:r>
+              <a:rPr lang="en-US" dirty="0" smtClean="0">
+                <a:solidFill>
+                  <a:schemeClr val="tx1"/>
+                </a:solidFill>
+              </a:rPr>
+              <a:t>in parallel.</a:t>
+            </a:r>
+            <a:endParaRPr lang="en-US" dirty="0" smtClean="0">
+              <a:solidFill>
+                <a:schemeClr val="tx1"/>
+              </a:solidFill>
+            </a:endParaRPr>
           </a:p>
           <a:p>
             <a:pPr marL="342900" indent="-342900">
@@ -7891,7 +7964,15 @@
                   <a:schemeClr val="tx1"/>
                 </a:solidFill>
               </a:rPr>
-              <a:t>Each Thread is an instance of a class «</a:t>
+              <a:t>Each Thread is an instance of a class </a:t>
+            </a:r>
+            <a:r>
+              <a:rPr lang="en-US" dirty="0" smtClean="0">
+                <a:solidFill>
+                  <a:schemeClr val="tx1"/>
+                </a:solidFill>
+              </a:rPr>
+              <a:t>«</a:t>
             </a:r>
             <a:r>
               <a:rPr lang="en-US" dirty="0" err="1" smtClean="0">
@@ -7899,7 +7980,7 @@
                   <a:schemeClr val="tx1"/>
                 </a:solidFill>
               </a:rPr>
-              <a:t>CallableExemple</a:t>
+              <a:t>SpecializedCallable</a:t>
             </a:r>
             <a:r>
               <a:rPr lang="en-US" dirty="0" smtClean="0">
@@ -7907,7 +7988,15 @@
                   <a:schemeClr val="tx1"/>
                 </a:solidFill>
               </a:rPr>
-              <a:t>», which implements Callable interface.</a:t>
+              <a:t>», </a:t>
+            </a:r>
+            <a:r>
+              <a:rPr lang="en-US" dirty="0" smtClean="0">
+                <a:solidFill>
+                  <a:schemeClr val="tx1"/>
+                </a:solidFill>
+              </a:rPr>
+              <a:t>which implements Callable interface.</a:t>
             </a:r>
             <a:endParaRPr lang="en-US" dirty="0">
               <a:solidFill>
@@ -9429,11 +9518,7 @@
             </a:r>
             <a:r>
               <a:rPr lang="fr-CH" dirty="0" smtClean="0"/>
-              <a:t> </a:t>
-            </a:r>
-            <a:r>
-              <a:rPr lang="fr-CH" dirty="0" smtClean="0"/>
-              <a:t>class</a:t>
+              <a:t> class</a:t>
             </a:r>
             <a:endParaRPr lang="fr-CH" dirty="0"/>
           </a:p>

--- a/presentation/CallableFutureTask.pptx
+++ b/presentation/CallableFutureTask.pptx
@@ -6108,7 +6108,7 @@
         <p:spPr>
           <a:xfrm>
             <a:off x="684212" y="2286001"/>
-            <a:ext cx="8535988" cy="3643312"/>
+            <a:ext cx="4776788" cy="3643312"/>
           </a:xfrm>
         </p:spPr>
         <p:txBody>
@@ -6118,10 +6118,237 @@
           <a:lstStyle/>
           <a:p>
             <a:pPr marL="342900" indent="-342900">
-              <a:buFontTx/>
-              <a:buChar char="-"/>
+              <a:buFont typeface="Wingdings" panose="05000000000000000000" pitchFamily="2" charset="2"/>
+              <a:buChar char="Ø"/>
             </a:pPr>
-            <a:endParaRPr lang="fr-CH" dirty="0"/>
+            <a:r>
+              <a:rPr lang="fr-CH" dirty="0" err="1" smtClean="0">
+                <a:solidFill>
+                  <a:schemeClr val="tx1"/>
+                </a:solidFill>
+              </a:rPr>
+              <a:t>Provide</a:t>
+            </a:r>
+            <a:r>
+              <a:rPr lang="fr-CH" dirty="0" smtClean="0">
+                <a:solidFill>
+                  <a:schemeClr val="tx1"/>
+                </a:solidFill>
+              </a:rPr>
+              <a:t> the user </a:t>
+            </a:r>
+            <a:r>
+              <a:rPr lang="fr-CH" dirty="0" err="1" smtClean="0">
+                <a:solidFill>
+                  <a:schemeClr val="tx1"/>
+                </a:solidFill>
+              </a:rPr>
+              <a:t>with</a:t>
+            </a:r>
+            <a:r>
+              <a:rPr lang="fr-CH" dirty="0" smtClean="0">
+                <a:solidFill>
+                  <a:schemeClr val="tx1"/>
+                </a:solidFill>
+              </a:rPr>
+              <a:t> </a:t>
+            </a:r>
+            <a:r>
+              <a:rPr lang="fr-CH" dirty="0" err="1" smtClean="0">
+                <a:solidFill>
+                  <a:schemeClr val="tx1"/>
+                </a:solidFill>
+              </a:rPr>
+              <a:t>possibility</a:t>
+            </a:r>
+            <a:r>
+              <a:rPr lang="fr-CH" dirty="0" smtClean="0">
+                <a:solidFill>
+                  <a:schemeClr val="tx1"/>
+                </a:solidFill>
+              </a:rPr>
+              <a:t> to</a:t>
+            </a:r>
+            <a:r>
+              <a:rPr lang="fr-CH" dirty="0">
+                <a:solidFill>
+                  <a:schemeClr val="tx1"/>
+                </a:solidFill>
+              </a:rPr>
+              <a:t> </a:t>
+            </a:r>
+            <a:r>
+              <a:rPr lang="fr-CH" dirty="0" smtClean="0">
+                <a:solidFill>
+                  <a:schemeClr val="tx1"/>
+                </a:solidFill>
+              </a:rPr>
+              <a:t>cancel the running </a:t>
+            </a:r>
+            <a:r>
+              <a:rPr lang="fr-CH" dirty="0" err="1" smtClean="0">
+                <a:solidFill>
+                  <a:schemeClr val="tx1"/>
+                </a:solidFill>
+              </a:rPr>
+              <a:t>task</a:t>
+            </a:r>
+            <a:r>
+              <a:rPr lang="fr-CH" dirty="0" smtClean="0">
+                <a:solidFill>
+                  <a:schemeClr val="tx1"/>
+                </a:solidFill>
+              </a:rPr>
+              <a:t>.</a:t>
+            </a:r>
+          </a:p>
+          <a:p>
+            <a:pPr marL="342900" indent="-342900">
+              <a:buFont typeface="Wingdings" panose="05000000000000000000" pitchFamily="2" charset="2"/>
+              <a:buChar char="Ø"/>
+            </a:pPr>
+            <a:r>
+              <a:rPr lang="fr-CH" dirty="0" err="1" smtClean="0">
+                <a:solidFill>
+                  <a:schemeClr val="tx1"/>
+                </a:solidFill>
+              </a:rPr>
+              <a:t>Provide</a:t>
+            </a:r>
+            <a:r>
+              <a:rPr lang="fr-CH" dirty="0" smtClean="0">
+                <a:solidFill>
+                  <a:schemeClr val="tx1"/>
+                </a:solidFill>
+              </a:rPr>
+              <a:t> the user the </a:t>
+            </a:r>
+            <a:r>
+              <a:rPr lang="fr-CH" dirty="0" err="1" smtClean="0">
+                <a:solidFill>
+                  <a:schemeClr val="tx1"/>
+                </a:solidFill>
+              </a:rPr>
+              <a:t>possiblity</a:t>
+            </a:r>
+            <a:r>
+              <a:rPr lang="fr-CH" dirty="0" smtClean="0">
+                <a:solidFill>
+                  <a:schemeClr val="tx1"/>
+                </a:solidFill>
+              </a:rPr>
+              <a:t> to show the </a:t>
+            </a:r>
+            <a:r>
+              <a:rPr lang="fr-CH" dirty="0" err="1" smtClean="0">
+                <a:solidFill>
+                  <a:schemeClr val="tx1"/>
+                </a:solidFill>
+              </a:rPr>
+              <a:t>task</a:t>
+            </a:r>
+            <a:r>
+              <a:rPr lang="fr-CH" dirty="0" err="1" smtClean="0">
+                <a:solidFill>
+                  <a:schemeClr val="tx1"/>
+                </a:solidFill>
+              </a:rPr>
+              <a:t>’s</a:t>
+            </a:r>
+            <a:r>
+              <a:rPr lang="fr-CH" dirty="0" smtClean="0">
+                <a:solidFill>
+                  <a:schemeClr val="tx1"/>
+                </a:solidFill>
+              </a:rPr>
+              <a:t> </a:t>
+            </a:r>
+            <a:r>
+              <a:rPr lang="fr-CH" dirty="0" err="1" smtClean="0">
+                <a:solidFill>
+                  <a:schemeClr val="tx1"/>
+                </a:solidFill>
+              </a:rPr>
+              <a:t>work</a:t>
+            </a:r>
+            <a:r>
+              <a:rPr lang="fr-CH" dirty="0" smtClean="0">
+                <a:solidFill>
+                  <a:schemeClr val="tx1"/>
+                </a:solidFill>
+              </a:rPr>
+              <a:t> in </a:t>
+            </a:r>
+            <a:r>
+              <a:rPr lang="fr-CH" dirty="0" err="1" smtClean="0">
+                <a:solidFill>
+                  <a:schemeClr val="tx1"/>
+                </a:solidFill>
+              </a:rPr>
+              <a:t>progress</a:t>
+            </a:r>
+            <a:r>
+              <a:rPr lang="fr-CH" dirty="0" smtClean="0">
+                <a:solidFill>
+                  <a:schemeClr val="tx1"/>
+                </a:solidFill>
+              </a:rPr>
+              <a:t>.</a:t>
+            </a:r>
+          </a:p>
+          <a:p>
+            <a:pPr marL="342900" indent="-342900">
+              <a:buFont typeface="Wingdings" panose="05000000000000000000" pitchFamily="2" charset="2"/>
+              <a:buChar char="Ø"/>
+            </a:pPr>
+            <a:r>
+              <a:rPr lang="fr-CH" dirty="0" err="1" smtClean="0">
+                <a:solidFill>
+                  <a:schemeClr val="tx1"/>
+                </a:solidFill>
+              </a:rPr>
+              <a:t>Wait</a:t>
+            </a:r>
+            <a:r>
+              <a:rPr lang="fr-CH" dirty="0" smtClean="0">
+                <a:solidFill>
+                  <a:schemeClr val="tx1"/>
+                </a:solidFill>
+              </a:rPr>
+              <a:t> for the </a:t>
+            </a:r>
+            <a:r>
+              <a:rPr lang="fr-CH" dirty="0" err="1" smtClean="0">
+                <a:solidFill>
+                  <a:schemeClr val="tx1"/>
+                </a:solidFill>
+              </a:rPr>
+              <a:t>tasks’s</a:t>
+            </a:r>
+            <a:r>
+              <a:rPr lang="fr-CH" dirty="0" smtClean="0">
+                <a:solidFill>
+                  <a:schemeClr val="tx1"/>
+                </a:solidFill>
+              </a:rPr>
+              <a:t> </a:t>
+            </a:r>
+            <a:r>
+              <a:rPr lang="fr-CH" dirty="0" err="1" smtClean="0">
+                <a:solidFill>
+                  <a:schemeClr val="tx1"/>
+                </a:solidFill>
+              </a:rPr>
+              <a:t>result</a:t>
+            </a:r>
+            <a:r>
+              <a:rPr lang="fr-CH" dirty="0" smtClean="0">
+                <a:solidFill>
+                  <a:schemeClr val="tx1"/>
+                </a:solidFill>
+              </a:rPr>
+              <a:t>.</a:t>
+            </a:r>
           </a:p>
         </p:txBody>
       </p:sp>
@@ -6164,13 +6391,51 @@
           <a:lstStyle/>
           <a:p>
             <a:fld id="{5AB2EE26-ED9C-4A04-B78D-673AD8430FF9}" type="slidenum">
-              <a:rPr lang="fr-CH" smtClean="0"/>
+              <a:rPr lang="fr-CH" smtClean="0">
+                <a:solidFill>
+                  <a:schemeClr val="tx1"/>
+                </a:solidFill>
+              </a:rPr>
               <a:t>10</a:t>
             </a:fld>
-            <a:endParaRPr lang="fr-CH"/>
-          </a:p>
-        </p:txBody>
-      </p:sp>
+            <a:endParaRPr lang="fr-CH" dirty="0">
+              <a:solidFill>
+                <a:schemeClr val="tx1"/>
+              </a:solidFill>
+            </a:endParaRPr>
+          </a:p>
+        </p:txBody>
+      </p:sp>
+      <p:pic>
+        <p:nvPicPr>
+          <p:cNvPr id="3" name="Image 2"/>
+          <p:cNvPicPr>
+            <a:picLocks noChangeAspect="1"/>
+          </p:cNvPicPr>
+          <p:nvPr/>
+        </p:nvPicPr>
+        <p:blipFill>
+          <a:blip r:embed="rId2">
+            <a:extLst>
+              <a:ext uri="{28A0092B-C50C-407E-A947-70E740481C1C}">
+                <a14:useLocalDpi xmlns:a14="http://schemas.microsoft.com/office/drawing/2010/main" val="0"/>
+              </a:ext>
+            </a:extLst>
+          </a:blip>
+          <a:stretch>
+            <a:fillRect/>
+          </a:stretch>
+        </p:blipFill>
+        <p:spPr>
+          <a:xfrm>
+            <a:off x="5332840" y="1754381"/>
+            <a:ext cx="5601482" cy="4296375"/>
+          </a:xfrm>
+          <a:prstGeom prst="rect">
+            <a:avLst/>
+          </a:prstGeom>
+        </p:spPr>
+      </p:pic>
     </p:spTree>
     <p:extLst>
       <p:ext uri="{BB962C8B-B14F-4D97-AF65-F5344CB8AC3E}">
@@ -6227,23 +6492,7 @@
             </a:r>
             <a:r>
               <a:rPr lang="fr-CH" dirty="0" err="1" smtClean="0"/>
-              <a:t>Futuretask</a:t>
-            </a:r>
-            <a:r>
-              <a:rPr lang="fr-CH" dirty="0" smtClean="0"/>
-              <a:t> –</a:t>
-            </a:r>
-            <a:r>
-              <a:rPr lang="fr-CH" dirty="0"/>
-              <a:t> </a:t>
-            </a:r>
-            <a:r>
-              <a:rPr lang="fr-CH" dirty="0" err="1" smtClean="0"/>
-              <a:t>example</a:t>
-            </a:r>
-            <a:r>
-              <a:rPr lang="fr-CH" dirty="0" smtClean="0"/>
-              <a:t> / CODE</a:t>
+              <a:t>Demo</a:t>
             </a:r>
             <a:endParaRPr lang="fr-CH" dirty="0"/>
           </a:p>
@@ -6318,10 +6567,18 @@
           <a:lstStyle/>
           <a:p>
             <a:fld id="{5AB2EE26-ED9C-4A04-B78D-673AD8430FF9}" type="slidenum">
-              <a:rPr lang="fr-CH" smtClean="0"/>
+              <a:rPr lang="fr-CH" smtClean="0">
+                <a:solidFill>
+                  <a:schemeClr val="tx1"/>
+                </a:solidFill>
+              </a:rPr>
               <a:t>11</a:t>
             </a:fld>
-            <a:endParaRPr lang="fr-CH"/>
+            <a:endParaRPr lang="fr-CH" dirty="0">
+              <a:solidFill>
+                <a:schemeClr val="tx1"/>
+              </a:solidFill>
+            </a:endParaRPr>
           </a:p>
         </p:txBody>
       </p:sp>
@@ -6452,10 +6709,18 @@
           <a:lstStyle/>
           <a:p>
             <a:fld id="{5AB2EE26-ED9C-4A04-B78D-673AD8430FF9}" type="slidenum">
-              <a:rPr lang="fr-CH" smtClean="0"/>
+              <a:rPr lang="fr-CH" smtClean="0">
+                <a:solidFill>
+                  <a:schemeClr val="tx1"/>
+                </a:solidFill>
+              </a:rPr>
               <a:t>12</a:t>
             </a:fld>
-            <a:endParaRPr lang="fr-CH"/>
+            <a:endParaRPr lang="fr-CH" dirty="0">
+              <a:solidFill>
+                <a:schemeClr val="tx1"/>
+              </a:solidFill>
+            </a:endParaRPr>
           </a:p>
         </p:txBody>
       </p:sp>
@@ -6468,14 +6733,14 @@
           <p:nvPr>
             <p:extLst>
               <p:ext uri="{D42A27DB-BD31-4B8C-83A1-F6EECF244321}">
-                <p14:modId xmlns:p14="http://schemas.microsoft.com/office/powerpoint/2010/main" val="2622938537"/>
+                <p14:modId xmlns:p14="http://schemas.microsoft.com/office/powerpoint/2010/main" val="1021687532"/>
               </p:ext>
             </p:extLst>
           </p:nvPr>
         </p:nvGraphicFramePr>
         <p:xfrm>
           <a:off x="1092201" y="2691341"/>
-          <a:ext cx="8127999" cy="2595880"/>
+          <a:ext cx="9650412" cy="3042920"/>
         </p:xfrm>
         <a:graphic>
           <a:graphicData uri="http://schemas.openxmlformats.org/drawingml/2006/table">
@@ -6484,9 +6749,9 @@
                 <a:tableStyleId>{5C22544A-7EE6-4342-B048-85BDC9FD1C3A}</a:tableStyleId>
               </a:tblPr>
               <a:tblGrid>
-                <a:gridCol w="2709333"/>
-                <a:gridCol w="2709333"/>
-                <a:gridCol w="2709333"/>
+                <a:gridCol w="3216804"/>
+                <a:gridCol w="3216804"/>
+                <a:gridCol w="3216804"/>
               </a:tblGrid>
               <a:tr h="370840">
                 <a:tc>
@@ -6508,10 +6773,6 @@
                         <a:rPr lang="fr-CH" dirty="0" err="1" smtClean="0"/>
                         <a:t>Callable</a:t>
                       </a:r>
-                      <a:r>
-                        <a:rPr lang="fr-CH" dirty="0" smtClean="0"/>
-                        <a:t> class</a:t>
-                      </a:r>
                       <a:endParaRPr lang="fr-CH" dirty="0"/>
                     </a:p>
                   </a:txBody>
@@ -6525,10 +6786,6 @@
                       <a:r>
                         <a:rPr lang="fr-CH" dirty="0" err="1" smtClean="0"/>
                         <a:t>FutureTask</a:t>
-                      </a:r>
-                      <a:r>
-                        <a:rPr lang="fr-CH" dirty="0" smtClean="0"/>
-                        <a:t> class</a:t>
                       </a:r>
                       <a:endParaRPr lang="fr-CH" dirty="0"/>
                     </a:p>
@@ -6578,6 +6835,10 @@
                     <a:bodyPr/>
                     <a:lstStyle/>
                     <a:p>
+                      <a:pPr marL="285750" indent="-285750">
+                        <a:buFont typeface="Arial" panose="020B0604020202020204" pitchFamily="34" charset="0"/>
+                        <a:buChar char="•"/>
+                      </a:pPr>
                       <a:r>
                         <a:rPr lang="fr-CH" dirty="0" err="1" smtClean="0"/>
                         <a:t>get</a:t>
@@ -6601,6 +6862,41 @@
                       <a:r>
                         <a:rPr lang="fr-CH" baseline="0" dirty="0" err="1" smtClean="0"/>
                         <a:t>task</a:t>
+                      </a:r>
+                      <a:endParaRPr lang="fr-CH" baseline="0" dirty="0" smtClean="0"/>
+                    </a:p>
+                    <a:p>
+                      <a:pPr marL="285750" indent="-285750">
+                        <a:buFont typeface="Arial" panose="020B0604020202020204" pitchFamily="34" charset="0"/>
+                        <a:buChar char="•"/>
+                      </a:pPr>
+                      <a:r>
+                        <a:rPr lang="fr-CH" baseline="0" dirty="0" err="1" smtClean="0"/>
+                        <a:t>allow</a:t>
+                      </a:r>
+                      <a:r>
+                        <a:rPr lang="fr-CH" baseline="0" dirty="0" smtClean="0"/>
+                        <a:t> modification of the </a:t>
+                      </a:r>
+                      <a:r>
+                        <a:rPr lang="fr-CH" baseline="0" dirty="0" err="1" smtClean="0"/>
+                        <a:t>wrapped</a:t>
+                      </a:r>
+                      <a:r>
+                        <a:rPr lang="fr-CH" baseline="0" dirty="0" smtClean="0"/>
+                        <a:t> </a:t>
+                      </a:r>
+                      <a:r>
+                        <a:rPr lang="fr-CH" baseline="0" dirty="0" err="1" smtClean="0"/>
+                        <a:t>Callable</a:t>
+                      </a:r>
+                      <a:r>
+                        <a:rPr lang="fr-CH" baseline="0" dirty="0" smtClean="0"/>
+                        <a:t> or </a:t>
+                      </a:r>
+                      <a:r>
+                        <a:rPr lang="fr-CH" baseline="0" dirty="0" err="1" smtClean="0"/>
+                        <a:t>Runnable</a:t>
                       </a:r>
                       <a:endParaRPr lang="fr-CH" dirty="0"/>
                     </a:p>
@@ -6646,6 +6942,14 @@
                     <a:bodyPr/>
                     <a:lstStyle/>
                     <a:p>
+                      <a:r>
+                        <a:rPr lang="fr-CH" dirty="0" err="1" smtClean="0"/>
+                        <a:t>RunnableFuture</a:t>
+                      </a:r>
+                      <a:r>
+                        <a:rPr lang="fr-CH" dirty="0" smtClean="0"/>
+                        <a:t>&lt;Type&gt;</a:t>
+                      </a:r>
                       <a:endParaRPr lang="fr-CH" dirty="0"/>
                     </a:p>
                   </a:txBody>
@@ -6694,7 +6998,11 @@
                     <a:bodyPr/>
                     <a:lstStyle/>
                     <a:p>
-                      <a:endParaRPr lang="fr-CH"/>
+                      <a:r>
+                        <a:rPr lang="fr-CH" dirty="0" smtClean="0"/>
+                        <a:t>-</a:t>
+                      </a:r>
+                      <a:endParaRPr lang="fr-CH" dirty="0"/>
                     </a:p>
                   </a:txBody>
                   <a:tcPr/>
@@ -6706,6 +7014,10 @@
                     <a:bodyPr/>
                     <a:lstStyle/>
                     <a:p>
+                      <a:r>
+                        <a:rPr lang="fr-CH" dirty="0" smtClean="0"/>
+                        <a:t>type</a:t>
+                      </a:r>
                       <a:endParaRPr lang="fr-CH" dirty="0"/>
                     </a:p>
                   </a:txBody>
@@ -6716,7 +7028,11 @@
                     <a:bodyPr/>
                     <a:lstStyle/>
                     <a:p>
-                      <a:endParaRPr lang="fr-CH"/>
+                      <a:r>
+                        <a:rPr lang="fr-CH" dirty="0" smtClean="0"/>
+                        <a:t>interface</a:t>
+                      </a:r>
+                      <a:endParaRPr lang="fr-CH" dirty="0"/>
                     </a:p>
                   </a:txBody>
                   <a:tcPr/>
@@ -6726,7 +7042,11 @@
                     <a:bodyPr/>
                     <a:lstStyle/>
                     <a:p>
-                      <a:endParaRPr lang="fr-CH"/>
+                      <a:r>
+                        <a:rPr lang="fr-CH" dirty="0" smtClean="0"/>
+                        <a:t>class</a:t>
+                      </a:r>
+                      <a:endParaRPr lang="fr-CH" dirty="0"/>
                     </a:p>
                   </a:txBody>
                   <a:tcPr/>
@@ -6738,7 +7058,11 @@
                     <a:bodyPr/>
                     <a:lstStyle/>
                     <a:p>
-                      <a:endParaRPr lang="fr-CH"/>
+                      <a:r>
+                        <a:rPr lang="fr-CH" dirty="0" smtClean="0"/>
+                        <a:t>Exception handling</a:t>
+                      </a:r>
+                      <a:endParaRPr lang="fr-CH" dirty="0"/>
                     </a:p>
                   </a:txBody>
                   <a:tcPr/>
@@ -6748,7 +7072,11 @@
                     <a:bodyPr/>
                     <a:lstStyle/>
                     <a:p>
-                      <a:endParaRPr lang="fr-CH"/>
+                      <a:r>
+                        <a:rPr lang="fr-CH" dirty="0" err="1" smtClean="0"/>
+                        <a:t>Yes</a:t>
+                      </a:r>
+                      <a:endParaRPr lang="fr-CH" dirty="0"/>
                     </a:p>
                   </a:txBody>
                   <a:tcPr/>
@@ -6758,38 +7086,10 @@
                     <a:bodyPr/>
                     <a:lstStyle/>
                     <a:p>
-                      <a:endParaRPr lang="fr-CH"/>
-                    </a:p>
-                  </a:txBody>
-                  <a:tcPr/>
-                </a:tc>
-              </a:tr>
-              <a:tr h="370840">
-                <a:tc>
-                  <a:txBody>
-                    <a:bodyPr/>
-                    <a:lstStyle/>
-                    <a:p>
-                      <a:endParaRPr lang="fr-CH"/>
-                    </a:p>
-                  </a:txBody>
-                  <a:tcPr/>
-                </a:tc>
-                <a:tc>
-                  <a:txBody>
-                    <a:bodyPr/>
-                    <a:lstStyle/>
-                    <a:p>
-                      <a:endParaRPr lang="fr-CH"/>
-                    </a:p>
-                  </a:txBody>
-                  <a:tcPr/>
-                </a:tc>
-                <a:tc>
-                  <a:txBody>
-                    <a:bodyPr/>
-                    <a:lstStyle/>
-                    <a:p>
+                      <a:r>
+                        <a:rPr lang="fr-CH" dirty="0" err="1" smtClean="0"/>
+                        <a:t>Yes</a:t>
+                      </a:r>
                       <a:endParaRPr lang="fr-CH" dirty="0"/>
                     </a:p>
                   </a:txBody>
@@ -7018,10 +7318,18 @@
           <a:lstStyle/>
           <a:p>
             <a:fld id="{5AB2EE26-ED9C-4A04-B78D-673AD8430FF9}" type="slidenum">
-              <a:rPr lang="fr-CH" smtClean="0"/>
+              <a:rPr lang="fr-CH" smtClean="0">
+                <a:solidFill>
+                  <a:schemeClr val="tx1"/>
+                </a:solidFill>
+              </a:rPr>
               <a:t>13</a:t>
             </a:fld>
-            <a:endParaRPr lang="fr-CH"/>
+            <a:endParaRPr lang="fr-CH" dirty="0">
+              <a:solidFill>
+                <a:schemeClr val="tx1"/>
+              </a:solidFill>
+            </a:endParaRPr>
           </a:p>
         </p:txBody>
       </p:sp>
@@ -7901,21 +8209,8 @@
                   <a:schemeClr val="tx1"/>
                 </a:solidFill>
               </a:rPr>
-              <a:t>We want to compute an Integral in order to get Pi and we want to compute </a:t>
-            </a:r>
-            <a:r>
-              <a:rPr lang="en-US" dirty="0" smtClean="0">
-                <a:solidFill>
-                  <a:schemeClr val="tx1"/>
-                </a:solidFill>
-              </a:rPr>
-              <a:t>in parallel.</a:t>
-            </a:r>
-            <a:endParaRPr lang="en-US" dirty="0" smtClean="0">
-              <a:solidFill>
-                <a:schemeClr val="tx1"/>
-              </a:solidFill>
-            </a:endParaRPr>
+              <a:t>We want to compute an Integral in order to get Pi and we want to compute in parallel.</a:t>
+            </a:r>
           </a:p>
           <a:p>
             <a:pPr marL="342900" indent="-342900">
@@ -7964,7 +8259,15 @@
                   <a:schemeClr val="tx1"/>
                 </a:solidFill>
               </a:rPr>
-              <a:t>Each Thread is an instance of a class </a:t>
+              <a:t>Each Thread is an instance of a class «</a:t>
+            </a:r>
+            <a:r>
+              <a:rPr lang="en-US" dirty="0" err="1" smtClean="0">
+                <a:solidFill>
+                  <a:schemeClr val="tx1"/>
+                </a:solidFill>
+              </a:rPr>
+              <a:t>SpecializedCallable</a:t>
             </a:r>
             <a:r>
               <a:rPr lang="en-US" dirty="0" smtClean="0">
@@ -7972,31 +8275,7 @@
                   <a:schemeClr val="tx1"/>
                 </a:solidFill>
               </a:rPr>
-              <a:t>«</a:t>
-            </a:r>
-            <a:r>
-              <a:rPr lang="en-US" dirty="0" err="1" smtClean="0">
-                <a:solidFill>
-                  <a:schemeClr val="tx1"/>
-                </a:solidFill>
-              </a:rPr>
-              <a:t>SpecializedCallable</a:t>
-            </a:r>
-            <a:r>
-              <a:rPr lang="en-US" dirty="0" smtClean="0">
-                <a:solidFill>
-                  <a:schemeClr val="tx1"/>
-                </a:solidFill>
-              </a:rPr>
-              <a:t>», </a:t>
-            </a:r>
-            <a:r>
-              <a:rPr lang="en-US" dirty="0" smtClean="0">
-                <a:solidFill>
-                  <a:schemeClr val="tx1"/>
-                </a:solidFill>
-              </a:rPr>
-              <a:t>which implements Callable interface.</a:t>
+              <a:t>», which implements Callable interface.</a:t>
             </a:r>
             <a:endParaRPr lang="en-US" dirty="0">
               <a:solidFill>
@@ -8625,7 +8904,15 @@
                   <a:schemeClr val="tx1"/>
                 </a:solidFill>
               </a:rPr>
-              <a:t> interface</a:t>
+              <a:t>&lt;V&gt; </a:t>
+            </a:r>
+            <a:r>
+              <a:rPr lang="en-US" dirty="0" smtClean="0">
+                <a:solidFill>
+                  <a:schemeClr val="tx1"/>
+                </a:solidFill>
+              </a:rPr>
+              <a:t>interface</a:t>
             </a:r>
           </a:p>
           <a:p>
@@ -8791,7 +9078,7 @@
         </p:spPr>
         <p:txBody>
           <a:bodyPr>
-            <a:normAutofit fontScale="92500" lnSpcReduction="10000"/>
+            <a:normAutofit/>
           </a:bodyPr>
           <a:lstStyle/>
           <a:p>
@@ -8827,7 +9114,15 @@
                   <a:schemeClr val="tx1"/>
                 </a:solidFill>
               </a:rPr>
-              <a:t> interface: an extension of </a:t>
+              <a:t>&lt;V&gt; </a:t>
+            </a:r>
+            <a:r>
+              <a:rPr lang="fr-CH" dirty="0" smtClean="0">
+                <a:solidFill>
+                  <a:schemeClr val="tx1"/>
+                </a:solidFill>
+              </a:rPr>
+              <a:t>interface: an extension of </a:t>
             </a:r>
             <a:r>
               <a:rPr lang="fr-CH" dirty="0" err="1" smtClean="0">
@@ -8857,7 +9152,7 @@
                   <a:schemeClr val="tx1"/>
                 </a:solidFill>
               </a:rPr>
-              <a:t>We</a:t>
+              <a:t>Provides</a:t>
             </a:r>
             <a:r>
               <a:rPr lang="fr-CH" dirty="0" smtClean="0">
@@ -8873,7 +9168,7 @@
                   <a:schemeClr val="tx1"/>
                 </a:solidFill>
               </a:rPr>
-              <a:t>want</a:t>
+              <a:t>protected</a:t>
             </a:r>
             <a:r>
               <a:rPr lang="fr-CH" dirty="0" smtClean="0">
@@ -8881,7 +9176,7 @@
                   <a:schemeClr val="tx1"/>
                 </a:solidFill>
               </a:rPr>
-              <a:t> to </a:t>
+              <a:t> </a:t>
             </a:r>
             <a:r>
               <a:rPr lang="fr-CH" dirty="0" err="1" smtClean="0">
@@ -8889,7 +9184,7 @@
                   <a:schemeClr val="tx1"/>
                 </a:solidFill>
               </a:rPr>
-              <a:t>get</a:t>
+              <a:t>methods</a:t>
             </a:r>
             <a:r>
               <a:rPr lang="fr-CH" dirty="0" smtClean="0">
@@ -8897,7 +9192,7 @@
                   <a:schemeClr val="tx1"/>
                 </a:solidFill>
               </a:rPr>
-              <a:t> the </a:t>
+              <a:t> </a:t>
             </a:r>
             <a:r>
               <a:rPr lang="fr-CH" dirty="0" err="1" smtClean="0">
@@ -8905,7 +9200,7 @@
                   <a:schemeClr val="tx1"/>
                 </a:solidFill>
               </a:rPr>
-              <a:t>compute</a:t>
+              <a:t>that</a:t>
             </a:r>
             <a:r>
               <a:rPr lang="fr-CH" dirty="0" smtClean="0">
@@ -8913,7 +9208,7 @@
                   <a:schemeClr val="tx1"/>
                 </a:solidFill>
               </a:rPr>
-              <a:t> an </a:t>
+              <a:t> </a:t>
             </a:r>
             <a:r>
               <a:rPr lang="fr-CH" dirty="0" err="1" smtClean="0">
@@ -8921,10 +9216,10 @@
                   <a:schemeClr val="tx1"/>
                 </a:solidFill>
               </a:rPr>
-              <a:t>Integral</a:t>
-            </a:r>
-            <a:r>
-              <a:rPr lang="fr-CH" dirty="0">
+              <a:t>can</a:t>
+            </a:r>
+            <a:r>
+              <a:rPr lang="fr-CH" dirty="0" smtClean="0">
                 <a:solidFill>
                   <a:schemeClr val="tx1"/>
                 </a:solidFill>
@@ -8932,12 +9227,20 @@
               <a:t> </a:t>
             </a:r>
             <a:r>
+              <a:rPr lang="fr-CH" dirty="0" err="1" smtClean="0">
+                <a:solidFill>
+                  <a:schemeClr val="tx1"/>
+                </a:solidFill>
+              </a:rPr>
+              <a:t>be</a:t>
+            </a:r>
+            <a:r>
               <a:rPr lang="fr-CH" dirty="0" smtClean="0">
                 <a:solidFill>
                   <a:schemeClr val="tx1"/>
                 </a:solidFill>
               </a:rPr>
-              <a:t>in </a:t>
+              <a:t> </a:t>
             </a:r>
             <a:r>
               <a:rPr lang="fr-CH" dirty="0" err="1" smtClean="0">
@@ -8945,7 +9248,7 @@
                   <a:schemeClr val="tx1"/>
                 </a:solidFill>
               </a:rPr>
-              <a:t>order</a:t>
+              <a:t>reimplemented</a:t>
             </a:r>
             <a:r>
               <a:rPr lang="fr-CH" dirty="0" smtClean="0">
@@ -8953,94 +9256,8 @@
                   <a:schemeClr val="tx1"/>
                 </a:solidFill>
               </a:rPr>
-              <a:t> to </a:t>
-            </a:r>
-            <a:r>
-              <a:rPr lang="fr-CH" dirty="0" err="1" smtClean="0">
-                <a:solidFill>
-                  <a:schemeClr val="tx1"/>
-                </a:solidFill>
-              </a:rPr>
-              <a:t>get</a:t>
-            </a:r>
-            <a:r>
-              <a:rPr lang="fr-CH" dirty="0" smtClean="0">
-                <a:solidFill>
-                  <a:schemeClr val="tx1"/>
-                </a:solidFill>
-              </a:rPr>
-              <a:t> Pi and </a:t>
-            </a:r>
-            <a:r>
-              <a:rPr lang="fr-CH" dirty="0" err="1" smtClean="0">
-                <a:solidFill>
-                  <a:schemeClr val="tx1"/>
-                </a:solidFill>
-              </a:rPr>
-              <a:t>we</a:t>
-            </a:r>
-            <a:r>
-              <a:rPr lang="fr-CH" dirty="0" smtClean="0">
-                <a:solidFill>
-                  <a:schemeClr val="tx1"/>
-                </a:solidFill>
-              </a:rPr>
-              <a:t> </a:t>
-            </a:r>
-            <a:r>
-              <a:rPr lang="fr-CH" dirty="0" err="1" smtClean="0">
-                <a:solidFill>
-                  <a:schemeClr val="tx1"/>
-                </a:solidFill>
-              </a:rPr>
-              <a:t>want</a:t>
-            </a:r>
-            <a:r>
-              <a:rPr lang="fr-CH" dirty="0" smtClean="0">
-                <a:solidFill>
-                  <a:schemeClr val="tx1"/>
-                </a:solidFill>
-              </a:rPr>
-              <a:t> to </a:t>
-            </a:r>
-            <a:r>
-              <a:rPr lang="fr-CH" dirty="0" err="1" smtClean="0">
-                <a:solidFill>
-                  <a:schemeClr val="tx1"/>
-                </a:solidFill>
-              </a:rPr>
-              <a:t>compute</a:t>
-            </a:r>
-            <a:r>
-              <a:rPr lang="fr-CH" dirty="0" smtClean="0">
-                <a:solidFill>
-                  <a:schemeClr val="tx1"/>
-                </a:solidFill>
-              </a:rPr>
-              <a:t> as </a:t>
-            </a:r>
-            <a:r>
-              <a:rPr lang="fr-CH" dirty="0" err="1" smtClean="0">
-                <a:solidFill>
-                  <a:schemeClr val="tx1"/>
-                </a:solidFill>
-              </a:rPr>
-              <a:t>fast</a:t>
-            </a:r>
-            <a:r>
-              <a:rPr lang="fr-CH" dirty="0" smtClean="0">
-                <a:solidFill>
-                  <a:schemeClr val="tx1"/>
-                </a:solidFill>
-              </a:rPr>
-              <a:t> as possible.</a:t>
-            </a:r>
-          </a:p>
-          <a:p>
-            <a:pPr marL="342900" indent="-342900">
-              <a:buFont typeface="Wingdings" panose="05000000000000000000" pitchFamily="2" charset="2"/>
-              <a:buChar char="Ø"/>
-            </a:pPr>
+              <a:t>.</a:t>
+            </a:r>
             <a:endParaRPr lang="fr-CH" dirty="0">
               <a:solidFill>
                 <a:schemeClr val="tx1"/>
@@ -9052,258 +9269,105 @@
               <a:buFont typeface="Wingdings" panose="05000000000000000000" pitchFamily="2" charset="2"/>
               <a:buChar char="Ø"/>
             </a:pPr>
+            <a:r>
+              <a:rPr lang="fr-CH" dirty="0" smtClean="0">
+                <a:solidFill>
+                  <a:schemeClr val="tx1"/>
+                </a:solidFill>
+              </a:rPr>
+              <a:t>Can </a:t>
+            </a:r>
+            <a:r>
+              <a:rPr lang="fr-CH" dirty="0" err="1" smtClean="0">
+                <a:solidFill>
+                  <a:schemeClr val="tx1"/>
+                </a:solidFill>
+              </a:rPr>
+              <a:t>be</a:t>
+            </a:r>
+            <a:r>
+              <a:rPr lang="fr-CH" dirty="0" smtClean="0">
+                <a:solidFill>
+                  <a:schemeClr val="tx1"/>
+                </a:solidFill>
+              </a:rPr>
+              <a:t> </a:t>
+            </a:r>
+            <a:r>
+              <a:rPr lang="fr-CH" dirty="0" err="1" smtClean="0">
+                <a:solidFill>
+                  <a:schemeClr val="tx1"/>
+                </a:solidFill>
+              </a:rPr>
+              <a:t>extended</a:t>
+            </a:r>
+            <a:r>
+              <a:rPr lang="fr-CH" dirty="0" smtClean="0">
+                <a:solidFill>
+                  <a:schemeClr val="tx1"/>
+                </a:solidFill>
+              </a:rPr>
+              <a:t>.</a:t>
+            </a:r>
             <a:endParaRPr lang="fr-CH" dirty="0" smtClean="0">
               <a:solidFill>
                 <a:schemeClr val="tx1"/>
               </a:solidFill>
             </a:endParaRPr>
           </a:p>
-          <a:p>
-            <a:pPr marL="342900" indent="-342900">
-              <a:buFont typeface="Wingdings" panose="05000000000000000000" pitchFamily="2" charset="2"/>
-              <a:buChar char="Ø"/>
-            </a:pPr>
-            <a:r>
-              <a:rPr lang="fr-CH" dirty="0" err="1" smtClean="0">
-                <a:solidFill>
-                  <a:schemeClr val="tx1"/>
-                </a:solidFill>
-              </a:rPr>
-              <a:t>Instead</a:t>
-            </a:r>
-            <a:r>
-              <a:rPr lang="fr-CH" dirty="0" smtClean="0">
-                <a:solidFill>
-                  <a:schemeClr val="tx1"/>
-                </a:solidFill>
-              </a:rPr>
-              <a:t> of </a:t>
-            </a:r>
-            <a:r>
-              <a:rPr lang="fr-CH" dirty="0" err="1" smtClean="0">
-                <a:solidFill>
-                  <a:schemeClr val="tx1"/>
-                </a:solidFill>
-              </a:rPr>
-              <a:t>sequential</a:t>
-            </a:r>
-            <a:r>
-              <a:rPr lang="fr-CH" dirty="0" smtClean="0">
-                <a:solidFill>
-                  <a:schemeClr val="tx1"/>
-                </a:solidFill>
-              </a:rPr>
-              <a:t> </a:t>
-            </a:r>
-            <a:r>
-              <a:rPr lang="fr-CH" dirty="0" err="1" smtClean="0">
-                <a:solidFill>
-                  <a:schemeClr val="tx1"/>
-                </a:solidFill>
-              </a:rPr>
-              <a:t>programming</a:t>
-            </a:r>
-            <a:r>
-              <a:rPr lang="fr-CH" dirty="0" smtClean="0">
-                <a:solidFill>
-                  <a:schemeClr val="tx1"/>
-                </a:solidFill>
-              </a:rPr>
-              <a:t>, </a:t>
-            </a:r>
-            <a:r>
-              <a:rPr lang="fr-CH" dirty="0" err="1">
-                <a:solidFill>
-                  <a:schemeClr val="tx1"/>
-                </a:solidFill>
-              </a:rPr>
-              <a:t>w</a:t>
-            </a:r>
-            <a:r>
-              <a:rPr lang="fr-CH" dirty="0" err="1" smtClean="0">
-                <a:solidFill>
-                  <a:schemeClr val="tx1"/>
-                </a:solidFill>
-              </a:rPr>
-              <a:t>e</a:t>
-            </a:r>
-            <a:r>
-              <a:rPr lang="fr-CH" dirty="0" smtClean="0">
-                <a:solidFill>
-                  <a:schemeClr val="tx1"/>
-                </a:solidFill>
-              </a:rPr>
-              <a:t> split the computation in </a:t>
-            </a:r>
-            <a:r>
-              <a:rPr lang="fr-CH" dirty="0" err="1" smtClean="0">
-                <a:solidFill>
-                  <a:schemeClr val="tx1"/>
-                </a:solidFill>
-              </a:rPr>
-              <a:t>differents</a:t>
-            </a:r>
-            <a:r>
-              <a:rPr lang="fr-CH" dirty="0" smtClean="0">
-                <a:solidFill>
-                  <a:schemeClr val="tx1"/>
-                </a:solidFill>
-              </a:rPr>
-              <a:t> Threads.</a:t>
-            </a:r>
-          </a:p>
-          <a:p>
-            <a:pPr marL="342900" indent="-342900">
-              <a:buFont typeface="Wingdings" panose="05000000000000000000" pitchFamily="2" charset="2"/>
-              <a:buChar char="Ø"/>
-            </a:pPr>
-            <a:r>
-              <a:rPr lang="fr-CH" dirty="0" err="1" smtClean="0">
-                <a:solidFill>
-                  <a:schemeClr val="tx1"/>
-                </a:solidFill>
-              </a:rPr>
-              <a:t>Each</a:t>
-            </a:r>
-            <a:r>
-              <a:rPr lang="fr-CH" dirty="0" smtClean="0">
-                <a:solidFill>
-                  <a:schemeClr val="tx1"/>
-                </a:solidFill>
-              </a:rPr>
-              <a:t> Thread </a:t>
-            </a:r>
-            <a:r>
-              <a:rPr lang="fr-CH" dirty="0" err="1" smtClean="0">
-                <a:solidFill>
-                  <a:schemeClr val="tx1"/>
-                </a:solidFill>
-              </a:rPr>
-              <a:t>is</a:t>
-            </a:r>
-            <a:r>
-              <a:rPr lang="fr-CH" dirty="0" smtClean="0">
-                <a:solidFill>
-                  <a:schemeClr val="tx1"/>
-                </a:solidFill>
-              </a:rPr>
-              <a:t> an instance of a class «</a:t>
-            </a:r>
-            <a:r>
-              <a:rPr lang="fr-CH" dirty="0" err="1" smtClean="0">
-                <a:solidFill>
-                  <a:schemeClr val="tx1"/>
-                </a:solidFill>
-              </a:rPr>
-              <a:t>CallableExemple</a:t>
-            </a:r>
-            <a:r>
-              <a:rPr lang="fr-CH" dirty="0" smtClean="0">
-                <a:solidFill>
-                  <a:schemeClr val="tx1"/>
-                </a:solidFill>
-              </a:rPr>
-              <a:t>», </a:t>
-            </a:r>
-            <a:r>
-              <a:rPr lang="fr-CH" dirty="0" err="1" smtClean="0">
-                <a:solidFill>
-                  <a:schemeClr val="tx1"/>
-                </a:solidFill>
-              </a:rPr>
-              <a:t>which</a:t>
-            </a:r>
-            <a:r>
-              <a:rPr lang="fr-CH" dirty="0" smtClean="0">
-                <a:solidFill>
-                  <a:schemeClr val="tx1"/>
-                </a:solidFill>
-              </a:rPr>
-              <a:t> </a:t>
-            </a:r>
-            <a:r>
-              <a:rPr lang="fr-CH" dirty="0" err="1" smtClean="0">
-                <a:solidFill>
-                  <a:schemeClr val="tx1"/>
-                </a:solidFill>
-              </a:rPr>
-              <a:t>implements</a:t>
-            </a:r>
-            <a:r>
-              <a:rPr lang="fr-CH" dirty="0" smtClean="0">
-                <a:solidFill>
-                  <a:schemeClr val="tx1"/>
-                </a:solidFill>
-              </a:rPr>
-              <a:t> </a:t>
-            </a:r>
-            <a:r>
-              <a:rPr lang="fr-CH" dirty="0" err="1" smtClean="0">
-                <a:solidFill>
-                  <a:schemeClr val="tx1"/>
-                </a:solidFill>
-              </a:rPr>
-              <a:t>Callable</a:t>
-            </a:r>
-            <a:r>
-              <a:rPr lang="fr-CH" dirty="0" smtClean="0">
-                <a:solidFill>
-                  <a:schemeClr val="tx1"/>
-                </a:solidFill>
-              </a:rPr>
-              <a:t> interface.</a:t>
-            </a:r>
+        </p:txBody>
+      </p:sp>
+      <p:sp>
+        <p:nvSpPr>
+          <p:cNvPr id="5" name="Espace réservé du pied de page 4"/>
+          <p:cNvSpPr>
+            <a:spLocks noGrp="1"/>
+          </p:cNvSpPr>
+          <p:nvPr>
+            <p:ph type="ftr" sz="quarter" idx="11"/>
+          </p:nvPr>
+        </p:nvSpPr>
+        <p:spPr/>
+        <p:txBody>
+          <a:bodyPr/>
+          <a:lstStyle/>
+          <a:p>
+            <a:r>
+              <a:rPr lang="fr-CH" smtClean="0"/>
+              <a:t>Bandelier Matthieu, Mut Horia</a:t>
+            </a:r>
+            <a:endParaRPr lang="fr-CH"/>
+          </a:p>
+        </p:txBody>
+      </p:sp>
+      <p:sp>
+        <p:nvSpPr>
+          <p:cNvPr id="6" name="Espace réservé du numéro de diapositive 5"/>
+          <p:cNvSpPr>
+            <a:spLocks noGrp="1"/>
+          </p:cNvSpPr>
+          <p:nvPr>
+            <p:ph type="sldNum" sz="quarter" idx="12"/>
+          </p:nvPr>
+        </p:nvSpPr>
+        <p:spPr/>
+        <p:txBody>
+          <a:bodyPr/>
+          <a:lstStyle/>
+          <a:p>
+            <a:fld id="{5AB2EE26-ED9C-4A04-B78D-673AD8430FF9}" type="slidenum">
+              <a:rPr lang="fr-CH" smtClean="0">
+                <a:solidFill>
+                  <a:schemeClr val="tx1"/>
+                </a:solidFill>
+              </a:rPr>
+              <a:t>8</a:t>
+            </a:fld>
             <a:endParaRPr lang="fr-CH" dirty="0">
               <a:solidFill>
                 <a:schemeClr val="tx1"/>
               </a:solidFill>
             </a:endParaRPr>
-          </a:p>
-        </p:txBody>
-      </p:sp>
-      <p:sp>
-        <p:nvSpPr>
-          <p:cNvPr id="5" name="Espace réservé du pied de page 4"/>
-          <p:cNvSpPr>
-            <a:spLocks noGrp="1"/>
-          </p:cNvSpPr>
-          <p:nvPr>
-            <p:ph type="ftr" sz="quarter" idx="11"/>
-          </p:nvPr>
-        </p:nvSpPr>
-        <p:spPr/>
-        <p:txBody>
-          <a:bodyPr/>
-          <a:lstStyle/>
-          <a:p>
-            <a:r>
-              <a:rPr lang="fr-CH" smtClean="0"/>
-              <a:t>Bandelier Matthieu, Mut Horia</a:t>
-            </a:r>
-            <a:endParaRPr lang="fr-CH"/>
-          </a:p>
-        </p:txBody>
-      </p:sp>
-      <p:sp>
-        <p:nvSpPr>
-          <p:cNvPr id="6" name="Espace réservé du numéro de diapositive 5"/>
-          <p:cNvSpPr>
-            <a:spLocks noGrp="1"/>
-          </p:cNvSpPr>
-          <p:nvPr>
-            <p:ph type="sldNum" sz="quarter" idx="12"/>
-          </p:nvPr>
-        </p:nvSpPr>
-        <p:spPr/>
-        <p:txBody>
-          <a:bodyPr/>
-          <a:lstStyle/>
-          <a:p>
-            <a:fld id="{5AB2EE26-ED9C-4A04-B78D-673AD8430FF9}" type="slidenum">
-              <a:rPr lang="fr-CH" smtClean="0"/>
-              <a:t>8</a:t>
-            </a:fld>
-            <a:endParaRPr lang="fr-CH"/>
           </a:p>
         </p:txBody>
       </p:sp>
@@ -9393,8 +9457,8 @@
         </p:nvSpPr>
         <p:spPr>
           <a:xfrm>
-            <a:off x="684212" y="2286001"/>
-            <a:ext cx="8535988" cy="3643312"/>
+            <a:off x="684212" y="2171700"/>
+            <a:ext cx="5217055" cy="3757613"/>
           </a:xfrm>
         </p:spPr>
         <p:txBody>
@@ -9404,123 +9468,212 @@
           <a:lstStyle/>
           <a:p>
             <a:pPr marL="342900" indent="-342900">
-              <a:buFontTx/>
-              <a:buChar char="-"/>
+              <a:buFont typeface="Wingdings" panose="05000000000000000000" pitchFamily="2" charset="2"/>
+              <a:buChar char="Ø"/>
             </a:pPr>
             <a:r>
-              <a:rPr lang="fr-CH" dirty="0" err="1"/>
+              <a:rPr lang="fr-CH" dirty="0" err="1" smtClean="0">
+                <a:solidFill>
+                  <a:schemeClr val="tx1"/>
+                </a:solidFill>
+              </a:rPr>
               <a:t>We</a:t>
             </a:r>
             <a:r>
-              <a:rPr lang="fr-CH" dirty="0"/>
+              <a:rPr lang="fr-CH" dirty="0" smtClean="0">
+                <a:solidFill>
+                  <a:schemeClr val="tx1"/>
+                </a:solidFill>
+              </a:rPr>
               <a:t> </a:t>
             </a:r>
             <a:r>
-              <a:rPr lang="fr-CH" dirty="0" err="1"/>
+              <a:rPr lang="fr-CH" dirty="0" err="1" smtClean="0">
+                <a:solidFill>
+                  <a:schemeClr val="tx1"/>
+                </a:solidFill>
+              </a:rPr>
               <a:t>want</a:t>
             </a:r>
             <a:r>
-              <a:rPr lang="fr-CH" dirty="0"/>
+              <a:rPr lang="fr-CH" dirty="0" smtClean="0">
+                <a:solidFill>
+                  <a:schemeClr val="tx1"/>
+                </a:solidFill>
+              </a:rPr>
               <a:t> to </a:t>
             </a:r>
             <a:r>
-              <a:rPr lang="fr-CH" dirty="0" err="1"/>
-              <a:t>get</a:t>
-            </a:r>
-            <a:r>
-              <a:rPr lang="fr-CH" dirty="0"/>
+              <a:rPr lang="fr-CH" dirty="0" err="1" smtClean="0">
+                <a:solidFill>
+                  <a:schemeClr val="tx1"/>
+                </a:solidFill>
+              </a:rPr>
+              <a:t>be</a:t>
+            </a:r>
+            <a:r>
+              <a:rPr lang="fr-CH" dirty="0" smtClean="0">
+                <a:solidFill>
+                  <a:schemeClr val="tx1"/>
+                </a:solidFill>
+              </a:rPr>
+              <a:t> able to </a:t>
+            </a:r>
+            <a:r>
+              <a:rPr lang="fr-CH" dirty="0" err="1" smtClean="0">
+                <a:solidFill>
+                  <a:schemeClr val="tx1"/>
+                </a:solidFill>
+              </a:rPr>
+              <a:t>modify</a:t>
+            </a:r>
+            <a:r>
+              <a:rPr lang="fr-CH" dirty="0" smtClean="0">
+                <a:solidFill>
+                  <a:schemeClr val="tx1"/>
+                </a:solidFill>
+              </a:rPr>
               <a:t> the </a:t>
             </a:r>
             <a:r>
-              <a:rPr lang="fr-CH" dirty="0" err="1" smtClean="0"/>
-              <a:t>computed</a:t>
-            </a:r>
-            <a:r>
-              <a:rPr lang="fr-CH" dirty="0" smtClean="0"/>
+              <a:rPr lang="fr-CH" dirty="0" err="1" smtClean="0">
+                <a:solidFill>
+                  <a:schemeClr val="tx1"/>
+                </a:solidFill>
+              </a:rPr>
+              <a:t>task’s</a:t>
+            </a:r>
+            <a:r>
+              <a:rPr lang="fr-CH" dirty="0">
+                <a:solidFill>
+                  <a:schemeClr val="tx1"/>
+                </a:solidFill>
+              </a:rPr>
               <a:t> </a:t>
             </a:r>
             <a:r>
-              <a:rPr lang="fr-CH" dirty="0" err="1" smtClean="0"/>
-              <a:t>results</a:t>
-            </a:r>
-            <a:r>
-              <a:rPr lang="fr-CH" dirty="0" smtClean="0"/>
-              <a:t>, in </a:t>
-            </a:r>
-            <a:r>
-              <a:rPr lang="fr-CH" dirty="0" err="1"/>
-              <a:t>order</a:t>
-            </a:r>
-            <a:r>
-              <a:rPr lang="fr-CH" dirty="0"/>
-              <a:t> to </a:t>
-            </a:r>
-            <a:r>
-              <a:rPr lang="fr-CH" dirty="0" err="1"/>
-              <a:t>get</a:t>
-            </a:r>
-            <a:r>
-              <a:rPr lang="fr-CH" dirty="0"/>
+              <a:rPr lang="fr-CH" dirty="0" err="1" smtClean="0">
+                <a:solidFill>
+                  <a:schemeClr val="tx1"/>
+                </a:solidFill>
+              </a:rPr>
+              <a:t>Callable</a:t>
+            </a:r>
+            <a:r>
+              <a:rPr lang="fr-CH" dirty="0" smtClean="0">
+                <a:solidFill>
+                  <a:schemeClr val="tx1"/>
+                </a:solidFill>
+              </a:rPr>
+              <a:t> to show the computations.</a:t>
+            </a:r>
+            <a:endParaRPr lang="fr-CH" dirty="0" smtClean="0">
+              <a:solidFill>
+                <a:schemeClr val="tx1"/>
+              </a:solidFill>
+            </a:endParaRPr>
+          </a:p>
+          <a:p>
+            <a:pPr marL="342900" indent="-342900">
+              <a:buFont typeface="Wingdings" panose="05000000000000000000" pitchFamily="2" charset="2"/>
+              <a:buChar char="Ø"/>
+            </a:pPr>
+            <a:r>
+              <a:rPr lang="fr-CH" dirty="0" err="1" smtClean="0">
+                <a:solidFill>
+                  <a:schemeClr val="tx1"/>
+                </a:solidFill>
+              </a:rPr>
+              <a:t>We</a:t>
+            </a:r>
+            <a:r>
+              <a:rPr lang="fr-CH" dirty="0" smtClean="0">
+                <a:solidFill>
+                  <a:schemeClr val="tx1"/>
+                </a:solidFill>
+              </a:rPr>
               <a:t> </a:t>
             </a:r>
             <a:r>
-              <a:rPr lang="fr-CH" dirty="0" smtClean="0"/>
-              <a:t>Pi.</a:t>
-            </a:r>
-          </a:p>
-          <a:p>
-            <a:pPr marL="342900" indent="-342900">
-              <a:buFontTx/>
-              <a:buChar char="-"/>
-            </a:pPr>
-            <a:endParaRPr lang="fr-CH" dirty="0" smtClean="0"/>
-          </a:p>
-          <a:p>
-            <a:pPr marL="342900" indent="-342900">
-              <a:buFontTx/>
-              <a:buChar char="-"/>
-            </a:pPr>
-            <a:r>
-              <a:rPr lang="fr-CH" dirty="0" err="1" smtClean="0"/>
-              <a:t>We</a:t>
-            </a:r>
-            <a:r>
-              <a:rPr lang="fr-CH" dirty="0" smtClean="0"/>
+              <a:rPr lang="fr-CH" dirty="0" err="1" smtClean="0">
+                <a:solidFill>
+                  <a:schemeClr val="tx1"/>
+                </a:solidFill>
+              </a:rPr>
+              <a:t>can</a:t>
+            </a:r>
+            <a:r>
+              <a:rPr lang="fr-CH" dirty="0" smtClean="0">
+                <a:solidFill>
+                  <a:schemeClr val="tx1"/>
+                </a:solidFill>
+              </a:rPr>
               <a:t> </a:t>
             </a:r>
             <a:r>
-              <a:rPr lang="fr-CH" dirty="0" err="1" smtClean="0"/>
-              <a:t>could</a:t>
-            </a:r>
-            <a:r>
-              <a:rPr lang="fr-CH" dirty="0" smtClean="0"/>
-              <a:t> do </a:t>
-            </a:r>
-            <a:r>
-              <a:rPr lang="fr-CH" dirty="0" err="1" smtClean="0"/>
+              <a:rPr lang="fr-CH" dirty="0" smtClean="0">
+                <a:solidFill>
+                  <a:schemeClr val="tx1"/>
+                </a:solidFill>
+              </a:rPr>
+              <a:t>do </a:t>
+            </a:r>
+            <a:r>
+              <a:rPr lang="fr-CH" dirty="0" err="1" smtClean="0">
+                <a:solidFill>
+                  <a:schemeClr val="tx1"/>
+                </a:solidFill>
+              </a:rPr>
               <a:t>that</a:t>
             </a:r>
             <a:r>
-              <a:rPr lang="fr-CH" dirty="0" smtClean="0"/>
+              <a:rPr lang="fr-CH" dirty="0" smtClean="0">
+                <a:solidFill>
+                  <a:schemeClr val="tx1"/>
+                </a:solidFill>
+              </a:rPr>
               <a:t> </a:t>
             </a:r>
             <a:r>
-              <a:rPr lang="fr-CH" dirty="0" err="1" smtClean="0"/>
-              <a:t>with</a:t>
-            </a:r>
-            <a:r>
-              <a:rPr lang="fr-CH" dirty="0" smtClean="0"/>
+              <a:rPr lang="fr-CH" dirty="0" smtClean="0">
+                <a:solidFill>
+                  <a:schemeClr val="tx1"/>
+                </a:solidFill>
+              </a:rPr>
+              <a:t>by </a:t>
+            </a:r>
+            <a:r>
+              <a:rPr lang="fr-CH" dirty="0" err="1" smtClean="0">
+                <a:solidFill>
+                  <a:schemeClr val="tx1"/>
+                </a:solidFill>
+              </a:rPr>
+              <a:t>extending</a:t>
+            </a:r>
+            <a:r>
+              <a:rPr lang="fr-CH" dirty="0" smtClean="0">
+                <a:solidFill>
+                  <a:schemeClr val="tx1"/>
+                </a:solidFill>
+              </a:rPr>
               <a:t> </a:t>
             </a:r>
             <a:r>
-              <a:rPr lang="fr-CH" dirty="0" err="1" smtClean="0"/>
+              <a:rPr lang="fr-CH" dirty="0" err="1" smtClean="0">
+                <a:solidFill>
+                  <a:schemeClr val="tx1"/>
+                </a:solidFill>
+              </a:rPr>
               <a:t>FutureTask</a:t>
             </a:r>
             <a:r>
-              <a:rPr lang="fr-CH" dirty="0" smtClean="0"/>
-              <a:t> class</a:t>
-            </a:r>
-            <a:endParaRPr lang="fr-CH" dirty="0"/>
+              <a:rPr lang="fr-CH" dirty="0" smtClean="0">
+                <a:solidFill>
+                  <a:schemeClr val="tx1"/>
+                </a:solidFill>
+              </a:rPr>
+              <a:t>.</a:t>
+            </a:r>
           </a:p>
         </p:txBody>
       </p:sp>
@@ -9563,13 +9716,51 @@
           <a:lstStyle/>
           <a:p>
             <a:fld id="{5AB2EE26-ED9C-4A04-B78D-673AD8430FF9}" type="slidenum">
-              <a:rPr lang="fr-CH" smtClean="0"/>
+              <a:rPr lang="fr-CH" smtClean="0">
+                <a:solidFill>
+                  <a:schemeClr val="tx1"/>
+                </a:solidFill>
+              </a:rPr>
               <a:t>9</a:t>
             </a:fld>
-            <a:endParaRPr lang="fr-CH"/>
-          </a:p>
-        </p:txBody>
-      </p:sp>
+            <a:endParaRPr lang="fr-CH" dirty="0">
+              <a:solidFill>
+                <a:schemeClr val="tx1"/>
+              </a:solidFill>
+            </a:endParaRPr>
+          </a:p>
+        </p:txBody>
+      </p:sp>
+      <p:pic>
+        <p:nvPicPr>
+          <p:cNvPr id="3" name="Image 2"/>
+          <p:cNvPicPr>
+            <a:picLocks noChangeAspect="1"/>
+          </p:cNvPicPr>
+          <p:nvPr/>
+        </p:nvPicPr>
+        <p:blipFill>
+          <a:blip r:embed="rId2">
+            <a:extLst>
+              <a:ext uri="{28A0092B-C50C-407E-A947-70E740481C1C}">
+                <a14:useLocalDpi xmlns:a14="http://schemas.microsoft.com/office/drawing/2010/main" val="0"/>
+              </a:ext>
+            </a:extLst>
+          </a:blip>
+          <a:stretch>
+            <a:fillRect/>
+          </a:stretch>
+        </p:blipFill>
+        <p:spPr>
+          <a:xfrm>
+            <a:off x="5713413" y="1683214"/>
+            <a:ext cx="5372850" cy="4734586"/>
+          </a:xfrm>
+          <a:prstGeom prst="rect">
+            <a:avLst/>
+          </a:prstGeom>
+        </p:spPr>
+      </p:pic>
     </p:spTree>
     <p:extLst>
       <p:ext uri="{BB962C8B-B14F-4D97-AF65-F5344CB8AC3E}">

--- a/presentation/CallableFutureTask.pptx
+++ b/presentation/CallableFutureTask.pptx
@@ -6245,15 +6245,7 @@
                   <a:schemeClr val="tx1"/>
                 </a:solidFill>
               </a:rPr>
-              <a:t>task</a:t>
-            </a:r>
-            <a:r>
-              <a:rPr lang="fr-CH" dirty="0" err="1" smtClean="0">
-                <a:solidFill>
-                  <a:schemeClr val="tx1"/>
-                </a:solidFill>
-              </a:rPr>
-              <a:t>’s</a:t>
+              <a:t>task’s</a:t>
             </a:r>
             <a:r>
               <a:rPr lang="fr-CH" dirty="0" smtClean="0">
@@ -7185,22 +7177,13 @@
               <a:buChar char="Ø"/>
             </a:pPr>
             <a:r>
-              <a:rPr lang="fr-CH" dirty="0" smtClean="0"/>
-              <a:t>Informations : </a:t>
-            </a:r>
-            <a:r>
               <a:rPr lang="fr-CH" dirty="0">
-                <a:hlinkClick r:id="rId2"/>
-              </a:rPr>
-              <a:t>http://</a:t>
-            </a:r>
-            <a:r>
-              <a:rPr lang="fr-CH" dirty="0" smtClean="0">
-                <a:hlinkClick r:id="rId2"/>
-              </a:rPr>
-              <a:t>www.journaldev.com/1162/java-multi-threading-concurrency-interview-questions-with-answers#callable-future</a:t>
-            </a:r>
-            <a:endParaRPr lang="fr-CH" dirty="0" smtClean="0"/>
+                <a:solidFill>
+                  <a:schemeClr val="tx1"/>
+                </a:solidFill>
+              </a:rPr>
+              <a:t>Informations : http://www.journaldev.com/1162/java-multi-threading-concurrency-interview-questions-with-answers#callable-future</a:t>
+            </a:r>
           </a:p>
           <a:p>
             <a:pPr marL="342900" indent="-342900">
@@ -7208,26 +7191,13 @@
               <a:buChar char="Ø"/>
             </a:pPr>
             <a:r>
-              <a:rPr lang="fr-CH" dirty="0" smtClean="0"/>
-              <a:t>Code </a:t>
-            </a:r>
-            <a:r>
-              <a:rPr lang="fr-CH" dirty="0"/>
-              <a:t>: </a:t>
-            </a:r>
-            <a:r>
               <a:rPr lang="fr-CH" dirty="0">
-                <a:hlinkClick r:id="rId3"/>
-              </a:rPr>
-              <a:t>http://</a:t>
-            </a:r>
-            <a:r>
-              <a:rPr lang="fr-CH" dirty="0" smtClean="0">
-                <a:hlinkClick r:id="rId3"/>
-              </a:rPr>
-              <a:t>www.journaldev.com/1090/java-callable-future-example</a:t>
-            </a:r>
-            <a:endParaRPr lang="fr-CH" dirty="0" smtClean="0"/>
+                <a:solidFill>
+                  <a:schemeClr val="tx1"/>
+                </a:solidFill>
+              </a:rPr>
+              <a:t>Code : http://www.journaldev.com/1090/java-callable-future-example</a:t>
+            </a:r>
           </a:p>
           <a:p>
             <a:pPr marL="342900" indent="-342900">
@@ -7235,7 +7205,11 @@
               <a:buChar char="Ø"/>
             </a:pPr>
             <a:r>
-              <a:rPr lang="fr-CH" dirty="0" smtClean="0"/>
+              <a:rPr lang="fr-CH" dirty="0">
+                <a:solidFill>
+                  <a:schemeClr val="tx1"/>
+                </a:solidFill>
+              </a:rPr>
               <a:t>API :</a:t>
             </a:r>
           </a:p>
@@ -7246,17 +7220,12 @@
             </a:pPr>
             <a:r>
               <a:rPr lang="fr-CH" dirty="0">
-                <a:hlinkClick r:id="rId4"/>
-              </a:rPr>
-              <a:t>https://</a:t>
-            </a:r>
-            <a:r>
-              <a:rPr lang="fr-CH" dirty="0" smtClean="0">
-                <a:hlinkClick r:id="rId4"/>
-              </a:rPr>
-              <a:t>docs.oracle.com/javase/7/docs/api/java/util/concurrent/Callable.html</a:t>
-            </a:r>
-            <a:endParaRPr lang="fr-CH" dirty="0" smtClean="0"/>
+                <a:solidFill>
+                  <a:schemeClr val="tx1"/>
+                </a:solidFill>
+              </a:rPr>
+              <a:t>https://docs.oracle.com/javase/7/docs/api/java/util/concurrent/Callable.html</a:t>
+            </a:r>
           </a:p>
           <a:p>
             <a:pPr marL="800100" lvl="1" indent="-342900">
@@ -7265,17 +7234,12 @@
             </a:pPr>
             <a:r>
               <a:rPr lang="fr-CH" dirty="0">
-                <a:hlinkClick r:id="rId5"/>
-              </a:rPr>
-              <a:t>http://</a:t>
-            </a:r>
-            <a:r>
-              <a:rPr lang="fr-CH" dirty="0" smtClean="0">
-                <a:hlinkClick r:id="rId5"/>
-              </a:rPr>
-              <a:t>docs.oracle.com/javase/7/docs/api/java/util/concurrent/FutureTask.html</a:t>
-            </a:r>
-            <a:endParaRPr lang="fr-CH" dirty="0" smtClean="0"/>
+                <a:solidFill>
+                  <a:schemeClr val="tx1"/>
+                </a:solidFill>
+              </a:rPr>
+              <a:t>http://docs.oracle.com/javase/7/docs/api/java/util/concurrent/FutureTask.html</a:t>
+            </a:r>
           </a:p>
         </p:txBody>
       </p:sp>
@@ -8506,7 +8470,7 @@
       </p:sp>
       <p:pic>
         <p:nvPicPr>
-          <p:cNvPr id="7" name="Image 6"/>
+          <p:cNvPr id="3" name="Image 2"/>
           <p:cNvPicPr>
             <a:picLocks noChangeAspect="1"/>
           </p:cNvPicPr>
@@ -8526,8 +8490,8 @@
         </p:blipFill>
         <p:spPr>
           <a:xfrm>
-            <a:off x="684211" y="1901764"/>
-            <a:ext cx="9859963" cy="4635561"/>
+            <a:off x="684211" y="1210978"/>
+            <a:ext cx="8535989" cy="5399868"/>
           </a:xfrm>
           <a:prstGeom prst="rect">
             <a:avLst/>
@@ -8627,8 +8591,8 @@
         </p:nvSpPr>
         <p:spPr>
           <a:xfrm>
-            <a:off x="684212" y="2286001"/>
-            <a:ext cx="8535988" cy="3643312"/>
+            <a:off x="684212" y="1624388"/>
+            <a:ext cx="8535988" cy="4304925"/>
           </a:xfrm>
         </p:spPr>
         <p:txBody>
@@ -8636,6 +8600,23 @@
             <a:normAutofit/>
           </a:bodyPr>
           <a:lstStyle/>
+          <a:p>
+            <a:r>
+              <a:rPr lang="fr-CH" dirty="0" smtClean="0">
+                <a:solidFill>
+                  <a:schemeClr val="tx1"/>
+                </a:solidFill>
+              </a:rPr>
+              <a:t>		…</a:t>
+            </a:r>
+          </a:p>
+          <a:p>
+            <a:pPr marL="342900" indent="-342900">
+              <a:buFontTx/>
+              <a:buChar char="-"/>
+            </a:pPr>
+            <a:endParaRPr lang="fr-CH" dirty="0"/>
+          </a:p>
           <a:p>
             <a:pPr marL="342900" indent="-342900">
               <a:buFontTx/>
@@ -8721,8 +8702,8 @@
         </p:blipFill>
         <p:spPr>
           <a:xfrm>
-            <a:off x="684212" y="1347239"/>
-            <a:ext cx="9902826" cy="1391749"/>
+            <a:off x="684211" y="1347239"/>
+            <a:ext cx="11131552" cy="1564435"/>
           </a:xfrm>
           <a:prstGeom prst="rect">
             <a:avLst/>
@@ -8731,7 +8712,7 @@
       </p:pic>
       <p:pic>
         <p:nvPicPr>
-          <p:cNvPr id="4" name="Image 3"/>
+          <p:cNvPr id="7" name="Image 6"/>
           <p:cNvPicPr>
             <a:picLocks noChangeAspect="1"/>
           </p:cNvPicPr>
@@ -8751,8 +8732,8 @@
         </p:blipFill>
         <p:spPr>
           <a:xfrm>
-            <a:off x="684212" y="2963912"/>
-            <a:ext cx="8535988" cy="3627014"/>
+            <a:off x="684212" y="3559769"/>
+            <a:ext cx="9045576" cy="2240428"/>
           </a:xfrm>
           <a:prstGeom prst="rect">
             <a:avLst/>
@@ -8904,15 +8885,7 @@
                   <a:schemeClr val="tx1"/>
                 </a:solidFill>
               </a:rPr>
-              <a:t>&lt;V&gt; </a:t>
-            </a:r>
-            <a:r>
-              <a:rPr lang="en-US" dirty="0" smtClean="0">
-                <a:solidFill>
-                  <a:schemeClr val="tx1"/>
-                </a:solidFill>
-              </a:rPr>
-              <a:t>interface</a:t>
+              <a:t>&lt;V&gt; interface</a:t>
             </a:r>
           </a:p>
           <a:p>
@@ -9114,15 +9087,7 @@
                   <a:schemeClr val="tx1"/>
                 </a:solidFill>
               </a:rPr>
-              <a:t>&lt;V&gt; </a:t>
-            </a:r>
-            <a:r>
-              <a:rPr lang="fr-CH" dirty="0" smtClean="0">
-                <a:solidFill>
-                  <a:schemeClr val="tx1"/>
-                </a:solidFill>
-              </a:rPr>
-              <a:t>interface: an extension of </a:t>
+              <a:t>&lt;V&gt; interface: an extension of </a:t>
             </a:r>
             <a:r>
               <a:rPr lang="fr-CH" dirty="0" err="1" smtClean="0">
@@ -9309,11 +9274,6 @@
               </a:rPr>
               <a:t>.</a:t>
             </a:r>
-            <a:endParaRPr lang="fr-CH" dirty="0" smtClean="0">
-              <a:solidFill>
-                <a:schemeClr val="tx1"/>
-              </a:solidFill>
-            </a:endParaRPr>
           </a:p>
         </p:txBody>
       </p:sp>
@@ -9567,11 +9527,6 @@
               </a:rPr>
               <a:t> to show the computations.</a:t>
             </a:r>
-            <a:endParaRPr lang="fr-CH" dirty="0" smtClean="0">
-              <a:solidFill>
-                <a:schemeClr val="tx1"/>
-              </a:solidFill>
-            </a:endParaRPr>
           </a:p>
           <a:p>
             <a:pPr marL="342900" indent="-342900">
@@ -9608,7 +9563,15 @@
                   <a:schemeClr val="tx1"/>
                 </a:solidFill>
               </a:rPr>
-              <a:t> </a:t>
+              <a:t> do </a:t>
+            </a:r>
+            <a:r>
+              <a:rPr lang="fr-CH" dirty="0" err="1" smtClean="0">
+                <a:solidFill>
+                  <a:schemeClr val="tx1"/>
+                </a:solidFill>
+              </a:rPr>
+              <a:t>that</a:t>
             </a:r>
             <a:r>
               <a:rPr lang="fr-CH" dirty="0" smtClean="0">
@@ -9616,31 +9579,7 @@
                   <a:schemeClr val="tx1"/>
                 </a:solidFill>
               </a:rPr>
-              <a:t>do </a:t>
-            </a:r>
-            <a:r>
-              <a:rPr lang="fr-CH" dirty="0" err="1" smtClean="0">
-                <a:solidFill>
-                  <a:schemeClr val="tx1"/>
-                </a:solidFill>
-              </a:rPr>
-              <a:t>that</a:t>
-            </a:r>
-            <a:r>
-              <a:rPr lang="fr-CH" dirty="0" smtClean="0">
-                <a:solidFill>
-                  <a:schemeClr val="tx1"/>
-                </a:solidFill>
-              </a:rPr>
-              <a:t> </a:t>
-            </a:r>
-            <a:r>
-              <a:rPr lang="fr-CH" dirty="0" smtClean="0">
-                <a:solidFill>
-                  <a:schemeClr val="tx1"/>
-                </a:solidFill>
-              </a:rPr>
-              <a:t>by </a:t>
+              <a:t> by </a:t>
             </a:r>
             <a:r>
               <a:rPr lang="fr-CH" dirty="0" err="1" smtClean="0">

--- a/presentation/CallableFutureTask.pptx
+++ b/presentation/CallableFutureTask.pptx
@@ -8209,8 +8209,45 @@
                   <a:schemeClr val="tx1"/>
                 </a:solidFill>
               </a:rPr>
-              <a:t>Instead of sequential programming, we split the computation in different Threads.</a:t>
-            </a:r>
+              <a:t>Instead of sequential programming, we split the computation in different Threads</a:t>
+            </a:r>
+            <a:r>
+              <a:rPr lang="en-US" dirty="0" smtClean="0">
+                <a:solidFill>
+                  <a:schemeClr val="tx1"/>
+                </a:solidFill>
+              </a:rPr>
+              <a:t>.* </a:t>
+            </a:r>
+            <a:r>
+              <a:rPr lang="en-US" dirty="0" err="1" smtClean="0">
+                <a:solidFill>
+                  <a:schemeClr val="tx1"/>
+                </a:solidFill>
+              </a:rPr>
+              <a:t>parler</a:t>
+            </a:r>
+            <a:r>
+              <a:rPr lang="en-US" dirty="0" smtClean="0">
+                <a:solidFill>
+                  <a:schemeClr val="tx1"/>
+                </a:solidFill>
+              </a:rPr>
+              <a:t> de executor et pas </a:t>
+            </a:r>
+            <a:r>
+              <a:rPr lang="en-US" smtClean="0">
+                <a:solidFill>
+                  <a:schemeClr val="tx1"/>
+                </a:solidFill>
+              </a:rPr>
+              <a:t>des threads</a:t>
+            </a:r>
+            <a:endParaRPr lang="en-US" dirty="0" smtClean="0">
+              <a:solidFill>
+                <a:schemeClr val="tx1"/>
+              </a:solidFill>
+            </a:endParaRPr>
           </a:p>
           <a:p>
             <a:pPr marL="342900" indent="-342900">

--- a/presentation/CallableFutureTask.pptx
+++ b/presentation/CallableFutureTask.pptx
@@ -230,7 +230,7 @@
           <a:p>
             <a:fld id="{7C4D78E0-D255-4C15-9D8F-0F99A0E85AE2}" type="datetimeFigureOut">
               <a:rPr lang="fr-CH" smtClean="0"/>
-              <a:t>02.06.2015</a:t>
+              <a:t>09.06.2015</a:t>
             </a:fld>
             <a:endParaRPr lang="fr-CH"/>
           </a:p>
@@ -773,7 +773,7 @@
           <a:p>
             <a:fld id="{616442FB-FD47-492C-B532-84BA24AA1252}" type="datetime1">
               <a:rPr lang="fr-CH" smtClean="0"/>
-              <a:t>02.06.2015</a:t>
+              <a:t>09.06.2015</a:t>
             </a:fld>
             <a:endParaRPr lang="fr-CH"/>
           </a:p>
@@ -1213,7 +1213,7 @@
           <a:p>
             <a:fld id="{5DB8348F-9DEE-4FC7-BBDD-D5BF3BE6B4CA}" type="datetime1">
               <a:rPr lang="fr-CH" smtClean="0"/>
-              <a:t>02.06.2015</a:t>
+              <a:t>09.06.2015</a:t>
             </a:fld>
             <a:endParaRPr lang="fr-CH"/>
           </a:p>
@@ -1467,7 +1467,7 @@
           <a:p>
             <a:fld id="{9FF9DFBC-760A-4745-92AD-2B38A5CBF2AE}" type="datetime1">
               <a:rPr lang="fr-CH" smtClean="0"/>
-              <a:t>02.06.2015</a:t>
+              <a:t>09.06.2015</a:t>
             </a:fld>
             <a:endParaRPr lang="fr-CH"/>
           </a:p>
@@ -1779,7 +1779,7 @@
           <a:p>
             <a:fld id="{BB726131-A290-4103-9DCA-383161D3080D}" type="datetime1">
               <a:rPr lang="fr-CH" smtClean="0"/>
-              <a:t>02.06.2015</a:t>
+              <a:t>09.06.2015</a:t>
             </a:fld>
             <a:endParaRPr lang="fr-CH"/>
           </a:p>
@@ -2101,7 +2101,7 @@
           <a:p>
             <a:fld id="{7FAF67C3-999E-4DF0-97B8-CAF451AED05F}" type="datetime1">
               <a:rPr lang="fr-CH" smtClean="0"/>
-              <a:t>02.06.2015</a:t>
+              <a:t>09.06.2015</a:t>
             </a:fld>
             <a:endParaRPr lang="fr-CH"/>
           </a:p>
@@ -2407,7 +2407,7 @@
           <a:p>
             <a:fld id="{6B19BC18-6ADB-4E80-9399-72FFF09540EC}" type="datetime1">
               <a:rPr lang="fr-CH" smtClean="0"/>
-              <a:t>02.06.2015</a:t>
+              <a:t>09.06.2015</a:t>
             </a:fld>
             <a:endParaRPr lang="fr-CH"/>
           </a:p>
@@ -2778,7 +2778,7 @@
           <a:p>
             <a:fld id="{327D0C88-11C4-44C9-959E-9AAEE8669ADE}" type="datetime1">
               <a:rPr lang="fr-CH" smtClean="0"/>
-              <a:t>02.06.2015</a:t>
+              <a:t>09.06.2015</a:t>
             </a:fld>
             <a:endParaRPr lang="fr-CH"/>
           </a:p>
@@ -2956,7 +2956,7 @@
           <a:p>
             <a:fld id="{3F0BFDAE-BCBD-4777-A806-33C5521F6E9C}" type="datetime1">
               <a:rPr lang="fr-CH" smtClean="0"/>
-              <a:t>02.06.2015</a:t>
+              <a:t>09.06.2015</a:t>
             </a:fld>
             <a:endParaRPr lang="fr-CH"/>
           </a:p>
@@ -3140,7 +3140,7 @@
           <a:p>
             <a:fld id="{55E368E5-A892-4819-A5FF-990739A5AA40}" type="datetime1">
               <a:rPr lang="fr-CH" smtClean="0"/>
-              <a:t>02.06.2015</a:t>
+              <a:t>09.06.2015</a:t>
             </a:fld>
             <a:endParaRPr lang="fr-CH"/>
           </a:p>
@@ -3314,7 +3314,7 @@
           <a:p>
             <a:fld id="{E9CDCD24-AF35-4B3E-B1D4-61BED39E4465}" type="datetime1">
               <a:rPr lang="fr-CH" smtClean="0"/>
-              <a:t>02.06.2015</a:t>
+              <a:t>09.06.2015</a:t>
             </a:fld>
             <a:endParaRPr lang="fr-CH"/>
           </a:p>
@@ -3568,7 +3568,7 @@
           <a:p>
             <a:fld id="{3135940A-A442-49CC-BB93-5C494FA62A5B}" type="datetime1">
               <a:rPr lang="fr-CH" smtClean="0"/>
-              <a:t>02.06.2015</a:t>
+              <a:t>09.06.2015</a:t>
             </a:fld>
             <a:endParaRPr lang="fr-CH"/>
           </a:p>
@@ -3808,7 +3808,7 @@
           <a:p>
             <a:fld id="{5FC1F64C-40A4-46BC-8688-EE47E4BCA59B}" type="datetime1">
               <a:rPr lang="fr-CH" smtClean="0"/>
-              <a:t>02.06.2015</a:t>
+              <a:t>09.06.2015</a:t>
             </a:fld>
             <a:endParaRPr lang="fr-CH"/>
           </a:p>
@@ -4194,7 +4194,7 @@
           <a:p>
             <a:fld id="{68FA62F5-0C90-423C-A0E2-2E4919DDABB5}" type="datetime1">
               <a:rPr lang="fr-CH" smtClean="0"/>
-              <a:t>02.06.2015</a:t>
+              <a:t>09.06.2015</a:t>
             </a:fld>
             <a:endParaRPr lang="fr-CH"/>
           </a:p>
@@ -4316,7 +4316,7 @@
           <a:p>
             <a:fld id="{DE1351B3-7B13-4CD8-849D-017016AA3761}" type="datetime1">
               <a:rPr lang="fr-CH" smtClean="0"/>
-              <a:t>02.06.2015</a:t>
+              <a:t>09.06.2015</a:t>
             </a:fld>
             <a:endParaRPr lang="fr-CH"/>
           </a:p>
@@ -4415,7 +4415,7 @@
           <a:p>
             <a:fld id="{571580A9-41EF-4060-88A0-3010DB91E7D6}" type="datetime1">
               <a:rPr lang="fr-CH" smtClean="0"/>
-              <a:t>02.06.2015</a:t>
+              <a:t>09.06.2015</a:t>
             </a:fld>
             <a:endParaRPr lang="fr-CH"/>
           </a:p>
@@ -4674,7 +4674,7 @@
           <a:p>
             <a:fld id="{DFFE873F-02A6-4F7A-B131-BA962B89D4F6}" type="datetime1">
               <a:rPr lang="fr-CH" smtClean="0"/>
-              <a:t>02.06.2015</a:t>
+              <a:t>09.06.2015</a:t>
             </a:fld>
             <a:endParaRPr lang="fr-CH"/>
           </a:p>
@@ -4961,7 +4961,7 @@
           <a:p>
             <a:fld id="{151EEB26-51C6-4CD5-82BC-990CCF39521F}" type="datetime1">
               <a:rPr lang="fr-CH" smtClean="0"/>
-              <a:t>02.06.2015</a:t>
+              <a:t>09.06.2015</a:t>
             </a:fld>
             <a:endParaRPr lang="fr-CH"/>
           </a:p>
@@ -5371,7 +5371,7 @@
           <a:p>
             <a:fld id="{8513D6AE-CC7F-4675-A018-39E675468283}" type="datetime1">
               <a:rPr lang="fr-CH" smtClean="0"/>
-              <a:t>02.06.2015</a:t>
+              <a:t>09.06.2015</a:t>
             </a:fld>
             <a:endParaRPr lang="fr-CH"/>
           </a:p>
@@ -5952,7 +5952,12 @@
             <p:ph type="subTitle" idx="1"/>
           </p:nvPr>
         </p:nvSpPr>
-        <p:spPr/>
+        <p:spPr>
+          <a:xfrm>
+            <a:off x="684211" y="3843867"/>
+            <a:ext cx="8616951" cy="2485496"/>
+          </a:xfrm>
+        </p:spPr>
         <p:txBody>
           <a:bodyPr/>
           <a:lstStyle/>
@@ -5974,13 +5979,35 @@
             </a:endParaRPr>
           </a:p>
           <a:p>
+            <a:endParaRPr lang="en-US" dirty="0" smtClean="0">
+              <a:solidFill>
+                <a:schemeClr val="tx1"/>
+              </a:solidFill>
+            </a:endParaRPr>
+          </a:p>
+          <a:p>
+            <a:endParaRPr lang="en-US" smtClean="0">
+              <a:solidFill>
+                <a:schemeClr val="tx1"/>
+              </a:solidFill>
+            </a:endParaRPr>
+          </a:p>
+          <a:p>
+            <a:r>
+              <a:rPr lang="en-US" smtClean="0">
+                <a:solidFill>
+                  <a:schemeClr val="tx1"/>
+                </a:solidFill>
+              </a:rPr>
+              <a:t>Matthieu</a:t>
+            </a:r>
             <a:r>
               <a:rPr lang="en-US" dirty="0" smtClean="0">
                 <a:solidFill>
                   <a:schemeClr val="tx1"/>
                 </a:solidFill>
               </a:rPr>
-              <a:t>Matthieu Bandelier</a:t>
+              <a:t> Bandelier</a:t>
             </a:r>
             <a:r>
               <a:rPr lang="en-US" dirty="0">
@@ -5988,15 +6015,79 @@
                   <a:schemeClr val="tx1"/>
                 </a:solidFill>
               </a:rPr>
+              <a:t>,</a:t>
+            </a:r>
+            <a:r>
+              <a:rPr lang="en-US" dirty="0" smtClean="0">
+                <a:solidFill>
+                  <a:schemeClr val="tx1"/>
+                </a:solidFill>
+              </a:rPr>
               <a:t> </a:t>
             </a:r>
             <a:r>
+              <a:rPr lang="en-US" dirty="0" err="1" smtClean="0">
+                <a:solidFill>
+                  <a:schemeClr val="tx1"/>
+                </a:solidFill>
+              </a:rPr>
+              <a:t>Horia</a:t>
+            </a:r>
+            <a:r>
               <a:rPr lang="en-US" dirty="0" smtClean="0">
                 <a:solidFill>
                   <a:schemeClr val="tx1"/>
                 </a:solidFill>
               </a:rPr>
-              <a:t>&amp; Horia Mut</a:t>
+              <a:t> </a:t>
+            </a:r>
+            <a:r>
+              <a:rPr lang="en-US" dirty="0" err="1" smtClean="0">
+                <a:solidFill>
+                  <a:schemeClr val="tx1"/>
+                </a:solidFill>
+              </a:rPr>
+              <a:t>Mut</a:t>
+            </a:r>
+            <a:r>
+              <a:rPr lang="en-US" dirty="0" smtClean="0">
+                <a:solidFill>
+                  <a:schemeClr val="tx1"/>
+                </a:solidFill>
+              </a:rPr>
+              <a:t>, Karim </a:t>
+            </a:r>
+            <a:r>
+              <a:rPr lang="en-US" dirty="0" err="1" smtClean="0">
+                <a:solidFill>
+                  <a:schemeClr val="tx1"/>
+                </a:solidFill>
+              </a:rPr>
+              <a:t>Luy</a:t>
+            </a:r>
+            <a:r>
+              <a:rPr lang="en-US" dirty="0" smtClean="0">
+                <a:solidFill>
+                  <a:schemeClr val="tx1"/>
+                </a:solidFill>
+              </a:rPr>
+              <a:t>, </a:t>
+            </a:r>
+            <a:r>
+              <a:rPr lang="en-US" dirty="0" smtClean="0">
+                <a:solidFill>
+                  <a:schemeClr val="tx1"/>
+                </a:solidFill>
+              </a:rPr>
+              <a:t>Quentin </a:t>
+            </a:r>
+            <a:r>
+              <a:rPr lang="en-US" dirty="0" err="1" smtClean="0">
+                <a:solidFill>
+                  <a:schemeClr val="tx1"/>
+                </a:solidFill>
+              </a:rPr>
+              <a:t>Jeanmonod</a:t>
             </a:r>
             <a:endParaRPr lang="en-US" dirty="0">
               <a:solidFill>
@@ -8209,15 +8300,7 @@
                   <a:schemeClr val="tx1"/>
                 </a:solidFill>
               </a:rPr>
-              <a:t>Instead of sequential programming, we split the computation in different Threads</a:t>
-            </a:r>
-            <a:r>
-              <a:rPr lang="en-US" dirty="0" smtClean="0">
-                <a:solidFill>
-                  <a:schemeClr val="tx1"/>
-                </a:solidFill>
-              </a:rPr>
-              <a:t>.* </a:t>
+              <a:t>Instead of sequential programming, we split the computation in different Threads.* </a:t>
             </a:r>
             <a:r>
               <a:rPr lang="en-US" dirty="0" err="1" smtClean="0">

--- a/presentation/CallableFutureTask.pptx
+++ b/presentation/CallableFutureTask.pptx
@@ -582,6 +582,90 @@
 </p:notes>
 </file>
 
+<file path=ppt/notesSlides/notesSlide2.xml><?xml version="1.0" encoding="utf-8"?>
+<p:notes xmlns:a="http://schemas.openxmlformats.org/drawingml/2006/main" xmlns:r="http://schemas.openxmlformats.org/officeDocument/2006/relationships" xmlns:p="http://schemas.openxmlformats.org/presentationml/2006/main">
+  <p:cSld>
+    <p:spTree>
+      <p:nvGrpSpPr>
+        <p:cNvPr id="1" name=""/>
+        <p:cNvGrpSpPr/>
+        <p:nvPr/>
+      </p:nvGrpSpPr>
+      <p:grpSpPr>
+        <a:xfrm>
+          <a:off x="0" y="0"/>
+          <a:ext cx="0" cy="0"/>
+          <a:chOff x="0" y="0"/>
+          <a:chExt cx="0" cy="0"/>
+        </a:xfrm>
+      </p:grpSpPr>
+      <p:sp>
+        <p:nvSpPr>
+          <p:cNvPr id="2" name="Espace réservé de l'image des diapositives 1"/>
+          <p:cNvSpPr>
+            <a:spLocks noGrp="1" noRot="1" noChangeAspect="1"/>
+          </p:cNvSpPr>
+          <p:nvPr>
+            <p:ph type="sldImg"/>
+          </p:nvPr>
+        </p:nvSpPr>
+        <p:spPr/>
+      </p:sp>
+      <p:sp>
+        <p:nvSpPr>
+          <p:cNvPr id="3" name="Espace réservé des commentaires 2"/>
+          <p:cNvSpPr>
+            <a:spLocks noGrp="1"/>
+          </p:cNvSpPr>
+          <p:nvPr>
+            <p:ph type="body" idx="1"/>
+          </p:nvPr>
+        </p:nvSpPr>
+        <p:spPr/>
+        <p:txBody>
+          <a:bodyPr/>
+          <a:lstStyle/>
+          <a:p>
+            <a:endParaRPr lang="fr-CH"/>
+          </a:p>
+        </p:txBody>
+      </p:sp>
+      <p:sp>
+        <p:nvSpPr>
+          <p:cNvPr id="4" name="Espace réservé du numéro de diapositive 3"/>
+          <p:cNvSpPr>
+            <a:spLocks noGrp="1"/>
+          </p:cNvSpPr>
+          <p:nvPr>
+            <p:ph type="sldNum" sz="quarter" idx="10"/>
+          </p:nvPr>
+        </p:nvSpPr>
+        <p:spPr/>
+        <p:txBody>
+          <a:bodyPr/>
+          <a:lstStyle/>
+          <a:p>
+            <a:fld id="{8C305653-B57E-4765-B5E4-50685F962CAA}" type="slidenum">
+              <a:rPr lang="fr-CH" smtClean="0"/>
+              <a:t>3</a:t>
+            </a:fld>
+            <a:endParaRPr lang="fr-CH"/>
+          </a:p>
+        </p:txBody>
+      </p:sp>
+    </p:spTree>
+    <p:extLst>
+      <p:ext uri="{BB962C8B-B14F-4D97-AF65-F5344CB8AC3E}">
+        <p14:creationId xmlns:p14="http://schemas.microsoft.com/office/powerpoint/2010/main" val="361105013"/>
+      </p:ext>
+    </p:extLst>
+  </p:cSld>
+  <p:clrMapOvr>
+    <a:masterClrMapping/>
+  </p:clrMapOvr>
+</p:notes>
+</file>
+
 <file path=ppt/slideLayouts/slideLayout1.xml><?xml version="1.0" encoding="utf-8"?>
 <p:sldLayout xmlns:a="http://schemas.openxmlformats.org/drawingml/2006/main" xmlns:r="http://schemas.openxmlformats.org/officeDocument/2006/relationships" xmlns:p="http://schemas.openxmlformats.org/presentationml/2006/main" showMasterSp="0" type="title" preserve="1">
   <p:cSld name="Diapositive de titre">
@@ -771,7 +855,7 @@
           <a:bodyPr/>
           <a:lstStyle/>
           <a:p>
-            <a:fld id="{616442FB-FD47-492C-B532-84BA24AA1252}" type="datetime1">
+            <a:fld id="{29B2F1BC-E26A-4E27-A01A-C9B90DFD12EB}" type="datetime1">
               <a:rPr lang="fr-CH" smtClean="0"/>
               <a:t>09.06.2015</a:t>
             </a:fld>
@@ -796,7 +880,7 @@
           <a:p>
             <a:r>
               <a:rPr lang="fr-CH" smtClean="0"/>
-              <a:t>Bandelier Matthieu, Mut Horia</a:t>
+              <a:t>Bandelier Matthieu, Mut Horia, Jeanmonod Quentin, Luy Karim</a:t>
             </a:r>
             <a:endParaRPr lang="fr-CH"/>
           </a:p>
@@ -1211,7 +1295,7 @@
           <a:bodyPr/>
           <a:lstStyle/>
           <a:p>
-            <a:fld id="{5DB8348F-9DEE-4FC7-BBDD-D5BF3BE6B4CA}" type="datetime1">
+            <a:fld id="{DD53B164-41D7-4A1D-BF1D-9999EBA068C0}" type="datetime1">
               <a:rPr lang="fr-CH" smtClean="0"/>
               <a:t>09.06.2015</a:t>
             </a:fld>
@@ -1236,7 +1320,7 @@
           <a:p>
             <a:r>
               <a:rPr lang="fr-CH" smtClean="0"/>
-              <a:t>Bandelier Matthieu, Mut Horia</a:t>
+              <a:t>Bandelier Matthieu, Mut Horia, Jeanmonod Quentin, Luy Karim</a:t>
             </a:r>
             <a:endParaRPr lang="fr-CH"/>
           </a:p>
@@ -1465,7 +1549,7 @@
           <a:bodyPr/>
           <a:lstStyle/>
           <a:p>
-            <a:fld id="{9FF9DFBC-760A-4745-92AD-2B38A5CBF2AE}" type="datetime1">
+            <a:fld id="{BE963B69-DCC2-47D3-820E-7C32B9A30898}" type="datetime1">
               <a:rPr lang="fr-CH" smtClean="0"/>
               <a:t>09.06.2015</a:t>
             </a:fld>
@@ -1490,7 +1574,7 @@
           <a:p>
             <a:r>
               <a:rPr lang="fr-CH" smtClean="0"/>
-              <a:t>Bandelier Matthieu, Mut Horia</a:t>
+              <a:t>Bandelier Matthieu, Mut Horia, Jeanmonod Quentin, Luy Karim</a:t>
             </a:r>
             <a:endParaRPr lang="fr-CH"/>
           </a:p>
@@ -1777,7 +1861,7 @@
           <a:bodyPr/>
           <a:lstStyle/>
           <a:p>
-            <a:fld id="{BB726131-A290-4103-9DCA-383161D3080D}" type="datetime1">
+            <a:fld id="{ECF4F8E9-B70C-467F-B7D0-32692C1BAE06}" type="datetime1">
               <a:rPr lang="fr-CH" smtClean="0"/>
               <a:t>09.06.2015</a:t>
             </a:fld>
@@ -1802,7 +1886,7 @@
           <a:p>
             <a:r>
               <a:rPr lang="fr-CH" smtClean="0"/>
-              <a:t>Bandelier Matthieu, Mut Horia</a:t>
+              <a:t>Bandelier Matthieu, Mut Horia, Jeanmonod Quentin, Luy Karim</a:t>
             </a:r>
             <a:endParaRPr lang="fr-CH"/>
           </a:p>
@@ -2099,7 +2183,7 @@
           <a:bodyPr/>
           <a:lstStyle/>
           <a:p>
-            <a:fld id="{7FAF67C3-999E-4DF0-97B8-CAF451AED05F}" type="datetime1">
+            <a:fld id="{EC57054F-ECE9-46F3-8472-08DDC5338749}" type="datetime1">
               <a:rPr lang="fr-CH" smtClean="0"/>
               <a:t>09.06.2015</a:t>
             </a:fld>
@@ -2124,7 +2208,7 @@
           <a:p>
             <a:r>
               <a:rPr lang="fr-CH" smtClean="0"/>
-              <a:t>Bandelier Matthieu, Mut Horia</a:t>
+              <a:t>Bandelier Matthieu, Mut Horia, Jeanmonod Quentin, Luy Karim</a:t>
             </a:r>
             <a:endParaRPr lang="fr-CH"/>
           </a:p>
@@ -2405,7 +2489,7 @@
           <a:bodyPr/>
           <a:lstStyle/>
           <a:p>
-            <a:fld id="{6B19BC18-6ADB-4E80-9399-72FFF09540EC}" type="datetime1">
+            <a:fld id="{ECFF5EE4-91C3-4DE7-A70E-AA3096D3B04C}" type="datetime1">
               <a:rPr lang="fr-CH" smtClean="0"/>
               <a:t>09.06.2015</a:t>
             </a:fld>
@@ -2430,7 +2514,7 @@
           <a:p>
             <a:r>
               <a:rPr lang="fr-CH" smtClean="0"/>
-              <a:t>Bandelier Matthieu, Mut Horia</a:t>
+              <a:t>Bandelier Matthieu, Mut Horia, Jeanmonod Quentin, Luy Karim</a:t>
             </a:r>
             <a:endParaRPr lang="fr-CH"/>
           </a:p>
@@ -2776,7 +2860,7 @@
           <a:bodyPr/>
           <a:lstStyle/>
           <a:p>
-            <a:fld id="{327D0C88-11C4-44C9-959E-9AAEE8669ADE}" type="datetime1">
+            <a:fld id="{107BCFDC-EE1E-42CE-89A8-3276C79846E4}" type="datetime1">
               <a:rPr lang="fr-CH" smtClean="0"/>
               <a:t>09.06.2015</a:t>
             </a:fld>
@@ -2801,7 +2885,7 @@
           <a:p>
             <a:r>
               <a:rPr lang="fr-CH" smtClean="0"/>
-              <a:t>Bandelier Matthieu, Mut Horia</a:t>
+              <a:t>Bandelier Matthieu, Mut Horia, Jeanmonod Quentin, Luy Karim</a:t>
             </a:r>
             <a:endParaRPr lang="fr-CH"/>
           </a:p>
@@ -2954,7 +3038,7 @@
           <a:bodyPr/>
           <a:lstStyle/>
           <a:p>
-            <a:fld id="{3F0BFDAE-BCBD-4777-A806-33C5521F6E9C}" type="datetime1">
+            <a:fld id="{5DCABEF9-6539-4A84-8BC1-49E1A90A22A7}" type="datetime1">
               <a:rPr lang="fr-CH" smtClean="0"/>
               <a:t>09.06.2015</a:t>
             </a:fld>
@@ -2979,7 +3063,7 @@
           <a:p>
             <a:r>
               <a:rPr lang="fr-CH" smtClean="0"/>
-              <a:t>Bandelier Matthieu, Mut Horia</a:t>
+              <a:t>Bandelier Matthieu, Mut Horia, Jeanmonod Quentin, Luy Karim</a:t>
             </a:r>
             <a:endParaRPr lang="fr-CH"/>
           </a:p>
@@ -3138,7 +3222,7 @@
           <a:bodyPr/>
           <a:lstStyle/>
           <a:p>
-            <a:fld id="{55E368E5-A892-4819-A5FF-990739A5AA40}" type="datetime1">
+            <a:fld id="{28BA8B8C-B83F-406C-A9F6-2415034B448D}" type="datetime1">
               <a:rPr lang="fr-CH" smtClean="0"/>
               <a:t>09.06.2015</a:t>
             </a:fld>
@@ -3163,7 +3247,7 @@
           <a:p>
             <a:r>
               <a:rPr lang="fr-CH" smtClean="0"/>
-              <a:t>Bandelier Matthieu, Mut Horia</a:t>
+              <a:t>Bandelier Matthieu, Mut Horia, Jeanmonod Quentin, Luy Karim</a:t>
             </a:r>
             <a:endParaRPr lang="fr-CH"/>
           </a:p>
@@ -3312,7 +3396,7 @@
           <a:bodyPr/>
           <a:lstStyle/>
           <a:p>
-            <a:fld id="{E9CDCD24-AF35-4B3E-B1D4-61BED39E4465}" type="datetime1">
+            <a:fld id="{B1C38A47-51D5-4558-A572-947FCE65CA11}" type="datetime1">
               <a:rPr lang="fr-CH" smtClean="0"/>
               <a:t>09.06.2015</a:t>
             </a:fld>
@@ -3337,7 +3421,7 @@
           <a:p>
             <a:r>
               <a:rPr lang="fr-CH" smtClean="0"/>
-              <a:t>Bandelier Matthieu, Mut Horia</a:t>
+              <a:t>Bandelier Matthieu, Mut Horia, Jeanmonod Quentin, Luy Karim</a:t>
             </a:r>
             <a:endParaRPr lang="fr-CH"/>
           </a:p>
@@ -3566,7 +3650,7 @@
           <a:bodyPr/>
           <a:lstStyle/>
           <a:p>
-            <a:fld id="{3135940A-A442-49CC-BB93-5C494FA62A5B}" type="datetime1">
+            <a:fld id="{8092704F-4482-4841-A1B2-6A9FB40896F2}" type="datetime1">
               <a:rPr lang="fr-CH" smtClean="0"/>
               <a:t>09.06.2015</a:t>
             </a:fld>
@@ -3591,7 +3675,7 @@
           <a:p>
             <a:r>
               <a:rPr lang="fr-CH" smtClean="0"/>
-              <a:t>Bandelier Matthieu, Mut Horia</a:t>
+              <a:t>Bandelier Matthieu, Mut Horia, Jeanmonod Quentin, Luy Karim</a:t>
             </a:r>
             <a:endParaRPr lang="fr-CH"/>
           </a:p>
@@ -3806,7 +3890,7 @@
           <a:bodyPr/>
           <a:lstStyle/>
           <a:p>
-            <a:fld id="{5FC1F64C-40A4-46BC-8688-EE47E4BCA59B}" type="datetime1">
+            <a:fld id="{10083F1C-F4F1-4721-877A-47B14DA198B0}" type="datetime1">
               <a:rPr lang="fr-CH" smtClean="0"/>
               <a:t>09.06.2015</a:t>
             </a:fld>
@@ -3831,7 +3915,7 @@
           <a:p>
             <a:r>
               <a:rPr lang="fr-CH" smtClean="0"/>
-              <a:t>Bandelier Matthieu, Mut Horia</a:t>
+              <a:t>Bandelier Matthieu, Mut Horia, Jeanmonod Quentin, Luy Karim</a:t>
             </a:r>
             <a:endParaRPr lang="fr-CH"/>
           </a:p>
@@ -4192,7 +4276,7 @@
           <a:bodyPr/>
           <a:lstStyle/>
           <a:p>
-            <a:fld id="{68FA62F5-0C90-423C-A0E2-2E4919DDABB5}" type="datetime1">
+            <a:fld id="{3CF1E248-8E2C-4779-A681-346E8D152DB6}" type="datetime1">
               <a:rPr lang="fr-CH" smtClean="0"/>
               <a:t>09.06.2015</a:t>
             </a:fld>
@@ -4217,7 +4301,7 @@
           <a:p>
             <a:r>
               <a:rPr lang="fr-CH" smtClean="0"/>
-              <a:t>Bandelier Matthieu, Mut Horia</a:t>
+              <a:t>Bandelier Matthieu, Mut Horia, Jeanmonod Quentin, Luy Karim</a:t>
             </a:r>
             <a:endParaRPr lang="fr-CH"/>
           </a:p>
@@ -4314,7 +4398,7 @@
           <a:bodyPr/>
           <a:lstStyle/>
           <a:p>
-            <a:fld id="{DE1351B3-7B13-4CD8-849D-017016AA3761}" type="datetime1">
+            <a:fld id="{06EC8DFC-D7B5-4D86-A48E-439FC813FE8B}" type="datetime1">
               <a:rPr lang="fr-CH" smtClean="0"/>
               <a:t>09.06.2015</a:t>
             </a:fld>
@@ -4339,7 +4423,7 @@
           <a:p>
             <a:r>
               <a:rPr lang="fr-CH" smtClean="0"/>
-              <a:t>Bandelier Matthieu, Mut Horia</a:t>
+              <a:t>Bandelier Matthieu, Mut Horia, Jeanmonod Quentin, Luy Karim</a:t>
             </a:r>
             <a:endParaRPr lang="fr-CH"/>
           </a:p>
@@ -4413,7 +4497,7 @@
           <a:bodyPr/>
           <a:lstStyle/>
           <a:p>
-            <a:fld id="{571580A9-41EF-4060-88A0-3010DB91E7D6}" type="datetime1">
+            <a:fld id="{CC611FF8-CC18-4DAD-9EC3-093613D045AA}" type="datetime1">
               <a:rPr lang="fr-CH" smtClean="0"/>
               <a:t>09.06.2015</a:t>
             </a:fld>
@@ -4438,7 +4522,7 @@
           <a:p>
             <a:r>
               <a:rPr lang="fr-CH" smtClean="0"/>
-              <a:t>Bandelier Matthieu, Mut Horia</a:t>
+              <a:t>Bandelier Matthieu, Mut Horia, Jeanmonod Quentin, Luy Karim</a:t>
             </a:r>
             <a:endParaRPr lang="fr-CH"/>
           </a:p>
@@ -4672,7 +4756,7 @@
           <a:bodyPr/>
           <a:lstStyle/>
           <a:p>
-            <a:fld id="{DFFE873F-02A6-4F7A-B131-BA962B89D4F6}" type="datetime1">
+            <a:fld id="{276DDE65-2C4B-4DA3-9246-C44AF6B4ACF7}" type="datetime1">
               <a:rPr lang="fr-CH" smtClean="0"/>
               <a:t>09.06.2015</a:t>
             </a:fld>
@@ -4697,7 +4781,7 @@
           <a:p>
             <a:r>
               <a:rPr lang="fr-CH" smtClean="0"/>
-              <a:t>Bandelier Matthieu, Mut Horia</a:t>
+              <a:t>Bandelier Matthieu, Mut Horia, Jeanmonod Quentin, Luy Karim</a:t>
             </a:r>
             <a:endParaRPr lang="fr-CH"/>
           </a:p>
@@ -4959,7 +5043,7 @@
           <a:bodyPr/>
           <a:lstStyle/>
           <a:p>
-            <a:fld id="{151EEB26-51C6-4CD5-82BC-990CCF39521F}" type="datetime1">
+            <a:fld id="{2CF5876B-5291-4C44-8EA0-5083F6748453}" type="datetime1">
               <a:rPr lang="fr-CH" smtClean="0"/>
               <a:t>09.06.2015</a:t>
             </a:fld>
@@ -4984,7 +5068,7 @@
           <a:p>
             <a:r>
               <a:rPr lang="fr-CH" smtClean="0"/>
-              <a:t>Bandelier Matthieu, Mut Horia</a:t>
+              <a:t>Bandelier Matthieu, Mut Horia, Jeanmonod Quentin, Luy Karim</a:t>
             </a:r>
             <a:endParaRPr lang="fr-CH"/>
           </a:p>
@@ -5369,7 +5453,7 @@
             </a:lvl1pPr>
           </a:lstStyle>
           <a:p>
-            <a:fld id="{8513D6AE-CC7F-4675-A018-39E675468283}" type="datetime1">
+            <a:fld id="{705437CC-F421-4DD4-A55F-4FBF6A9F722A}" type="datetime1">
               <a:rPr lang="fr-CH" smtClean="0"/>
               <a:t>09.06.2015</a:t>
             </a:fld>
@@ -5414,7 +5498,7 @@
           <a:p>
             <a:r>
               <a:rPr lang="fr-CH" smtClean="0"/>
-              <a:t>Bandelier Matthieu, Mut Horia</a:t>
+              <a:t>Bandelier Matthieu, Mut Horia, Jeanmonod Quentin, Luy Karim</a:t>
             </a:r>
             <a:endParaRPr lang="fr-CH"/>
           </a:p>
@@ -5986,7 +6070,7 @@
             </a:endParaRPr>
           </a:p>
           <a:p>
-            <a:endParaRPr lang="en-US" smtClean="0">
+            <a:endParaRPr lang="en-US" dirty="0" smtClean="0">
               <a:solidFill>
                 <a:schemeClr val="tx1"/>
               </a:solidFill>
@@ -5994,7 +6078,7 @@
           </a:p>
           <a:p>
             <a:r>
-              <a:rPr lang="en-US" smtClean="0">
+              <a:rPr lang="en-US" dirty="0" err="1" smtClean="0">
                 <a:solidFill>
                   <a:schemeClr val="tx1"/>
                 </a:solidFill>
@@ -6071,15 +6155,7 @@
                   <a:schemeClr val="tx1"/>
                 </a:solidFill>
               </a:rPr>
-              <a:t>, </a:t>
-            </a:r>
-            <a:r>
-              <a:rPr lang="en-US" dirty="0" smtClean="0">
-                <a:solidFill>
-                  <a:schemeClr val="tx1"/>
-                </a:solidFill>
-              </a:rPr>
-              <a:t>Quentin </a:t>
+              <a:t>, Quentin </a:t>
             </a:r>
             <a:r>
               <a:rPr lang="en-US" dirty="0" err="1" smtClean="0">
@@ -6452,7 +6528,7 @@
           <a:p>
             <a:r>
               <a:rPr lang="fr-CH" smtClean="0"/>
-              <a:t>Bandelier Matthieu, Mut Horia</a:t>
+              <a:t>Bandelier Matthieu, Mut Horia, Jeanmonod Quentin, Luy Karim</a:t>
             </a:r>
             <a:endParaRPr lang="fr-CH"/>
           </a:p>
@@ -6628,7 +6704,7 @@
           <a:p>
             <a:r>
               <a:rPr lang="fr-CH" smtClean="0"/>
-              <a:t>Bandelier Matthieu, Mut Horia</a:t>
+              <a:t>Bandelier Matthieu, Mut Horia, Jeanmonod Quentin, Luy Karim</a:t>
             </a:r>
             <a:endParaRPr lang="fr-CH"/>
           </a:p>
@@ -6770,7 +6846,7 @@
           <a:p>
             <a:r>
               <a:rPr lang="fr-CH" smtClean="0"/>
-              <a:t>Bandelier Matthieu, Mut Horia</a:t>
+              <a:t>Bandelier Matthieu, Mut Horia, Jeanmonod Quentin, Luy Karim</a:t>
             </a:r>
             <a:endParaRPr lang="fr-CH"/>
           </a:p>
@@ -7351,7 +7427,7 @@
           <a:p>
             <a:r>
               <a:rPr lang="fr-CH" smtClean="0"/>
-              <a:t>Bandelier Matthieu, Mut Horia</a:t>
+              <a:t>Bandelier Matthieu, Mut Horia, Jeanmonod Quentin, Luy Karim</a:t>
             </a:r>
             <a:endParaRPr lang="fr-CH"/>
           </a:p>
@@ -7592,7 +7668,7 @@
           <a:p>
             <a:r>
               <a:rPr lang="fr-CH" smtClean="0"/>
-              <a:t>Bandelier Matthieu, Mut Horia</a:t>
+              <a:t>Bandelier Matthieu, Mut Horia, Jeanmonod Quentin, Luy Karim</a:t>
             </a:r>
             <a:endParaRPr lang="fr-CH"/>
           </a:p>
@@ -8117,10 +8193,38 @@
           <a:lstStyle/>
           <a:p>
             <a:r>
-              <a:rPr lang="fr-CH" smtClean="0"/>
-              <a:t>Bandelier Matthieu, Mut Horia</a:t>
-            </a:r>
-            <a:endParaRPr lang="fr-CH"/>
+              <a:rPr lang="fr-CH" dirty="0" err="1" smtClean="0"/>
+              <a:t>Bandelier</a:t>
+            </a:r>
+            <a:r>
+              <a:rPr lang="fr-CH" dirty="0" smtClean="0"/>
+              <a:t> Matthieu, Mut </a:t>
+            </a:r>
+            <a:r>
+              <a:rPr lang="fr-CH" dirty="0" err="1" smtClean="0"/>
+              <a:t>Horia</a:t>
+            </a:r>
+            <a:r>
+              <a:rPr lang="fr-CH" dirty="0" smtClean="0"/>
+              <a:t>, </a:t>
+            </a:r>
+            <a:r>
+              <a:rPr lang="fr-CH" dirty="0" err="1" smtClean="0"/>
+              <a:t>Jeanmonod</a:t>
+            </a:r>
+            <a:r>
+              <a:rPr lang="fr-CH" dirty="0" smtClean="0"/>
+              <a:t> Quentin, </a:t>
+            </a:r>
+            <a:r>
+              <a:rPr lang="fr-CH" dirty="0" err="1" smtClean="0"/>
+              <a:t>Luy</a:t>
+            </a:r>
+            <a:r>
+              <a:rPr lang="fr-CH" dirty="0" smtClean="0"/>
+              <a:t> Karim</a:t>
+            </a:r>
+            <a:endParaRPr lang="fr-CH" dirty="0"/>
           </a:p>
         </p:txBody>
       </p:sp>
@@ -8316,21 +8420,8 @@
                   <a:schemeClr val="tx1"/>
                 </a:solidFill>
               </a:rPr>
-              <a:t> de executor et pas </a:t>
-            </a:r>
-            <a:r>
-              <a:rPr lang="en-US" smtClean="0">
-                <a:solidFill>
-                  <a:schemeClr val="tx1"/>
-                </a:solidFill>
-              </a:rPr>
-              <a:t>des threads</a:t>
-            </a:r>
-            <a:endParaRPr lang="en-US" dirty="0" smtClean="0">
-              <a:solidFill>
-                <a:schemeClr val="tx1"/>
-              </a:solidFill>
-            </a:endParaRPr>
+              <a:t> de executor et pas des threads</a:t>
+            </a:r>
           </a:p>
           <a:p>
             <a:pPr marL="342900" indent="-342900">
@@ -8343,7 +8434,55 @@
                   <a:schemeClr val="tx1"/>
                 </a:solidFill>
               </a:rPr>
-              <a:t>Each Thread is an instance of a class «</a:t>
+              <a:t>Each Thread </a:t>
+            </a:r>
+            <a:r>
+              <a:rPr lang="en-US" dirty="0" smtClean="0">
+                <a:solidFill>
+                  <a:schemeClr val="tx1"/>
+                </a:solidFill>
+              </a:rPr>
+              <a:t>take </a:t>
+            </a:r>
+            <a:r>
+              <a:rPr lang="en-US" dirty="0" smtClean="0">
+                <a:solidFill>
+                  <a:schemeClr val="tx1"/>
+                </a:solidFill>
+              </a:rPr>
+              <a:t>an </a:t>
+            </a:r>
+            <a:r>
+              <a:rPr lang="en-US" dirty="0" smtClean="0">
+                <a:solidFill>
+                  <a:schemeClr val="tx1"/>
+                </a:solidFill>
+              </a:rPr>
+              <a:t>instance </a:t>
+            </a:r>
+            <a:r>
+              <a:rPr lang="en-US" smtClean="0">
+                <a:solidFill>
+                  <a:schemeClr val="tx1"/>
+                </a:solidFill>
+              </a:rPr>
+              <a:t>of </a:t>
+            </a:r>
+            <a:r>
+              <a:rPr lang="en-US" smtClean="0">
+                <a:solidFill>
+                  <a:schemeClr val="tx1"/>
+                </a:solidFill>
+              </a:rPr>
+              <a:t>the </a:t>
+            </a:r>
+            <a:r>
+              <a:rPr lang="en-US" dirty="0" smtClean="0">
+                <a:solidFill>
+                  <a:schemeClr val="tx1"/>
+                </a:solidFill>
+              </a:rPr>
+              <a:t>class «</a:t>
             </a:r>
             <a:r>
               <a:rPr lang="en-US" dirty="0" err="1" smtClean="0">
@@ -8386,7 +8525,7 @@
           <a:p>
             <a:r>
               <a:rPr lang="fr-CH" smtClean="0"/>
-              <a:t>Bandelier Matthieu, Mut Horia</a:t>
+              <a:t>Bandelier Matthieu, Mut Horia, Jeanmonod Quentin, Luy Karim</a:t>
             </a:r>
             <a:endParaRPr lang="fr-CH"/>
           </a:p>
@@ -8551,7 +8690,7 @@
           <a:p>
             <a:r>
               <a:rPr lang="fr-CH" smtClean="0"/>
-              <a:t>Bandelier Matthieu, Mut Horia</a:t>
+              <a:t>Bandelier Matthieu, Mut Horia, Jeanmonod Quentin, Luy Karim</a:t>
             </a:r>
             <a:endParaRPr lang="fr-CH"/>
           </a:p>
@@ -8763,7 +8902,7 @@
           <a:p>
             <a:r>
               <a:rPr lang="fr-CH" smtClean="0"/>
-              <a:t>Bandelier Matthieu, Mut Horia</a:t>
+              <a:t>Bandelier Matthieu, Mut Horia, Jeanmonod Quentin, Luy Karim</a:t>
             </a:r>
             <a:endParaRPr lang="fr-CH"/>
           </a:p>
@@ -9038,7 +9177,7 @@
           <a:p>
             <a:r>
               <a:rPr lang="fr-CH" smtClean="0"/>
-              <a:t>Bandelier Matthieu, Mut Horia</a:t>
+              <a:t>Bandelier Matthieu, Mut Horia, Jeanmonod Quentin, Luy Karim</a:t>
             </a:r>
             <a:endParaRPr lang="fr-CH"/>
           </a:p>
@@ -9414,7 +9553,7 @@
           <a:p>
             <a:r>
               <a:rPr lang="fr-CH" smtClean="0"/>
-              <a:t>Bandelier Matthieu, Mut Horia</a:t>
+              <a:t>Bandelier Matthieu, Mut Horia, Jeanmonod Quentin, Luy Karim</a:t>
             </a:r>
             <a:endParaRPr lang="fr-CH"/>
           </a:p>
@@ -9753,7 +9892,7 @@
           <a:p>
             <a:r>
               <a:rPr lang="fr-CH" smtClean="0"/>
-              <a:t>Bandelier Matthieu, Mut Horia</a:t>
+              <a:t>Bandelier Matthieu, Mut Horia, Jeanmonod Quentin, Luy Karim</a:t>
             </a:r>
             <a:endParaRPr lang="fr-CH"/>
           </a:p>
